--- a/Unicorn Companies Feature Analysis.pptx
+++ b/Unicorn Companies Feature Analysis.pptx
@@ -14,9 +14,18 @@
     <p:sldId id="259" r:id="rId8"/>
     <p:sldId id="264" r:id="rId9"/>
     <p:sldId id="265" r:id="rId10"/>
-    <p:sldId id="266" r:id="rId11"/>
-    <p:sldId id="267" r:id="rId12"/>
+    <p:sldId id="279" r:id="rId11"/>
+    <p:sldId id="266" r:id="rId12"/>
     <p:sldId id="268" r:id="rId13"/>
+    <p:sldId id="280" r:id="rId14"/>
+    <p:sldId id="281" r:id="rId15"/>
+    <p:sldId id="272" r:id="rId16"/>
+    <p:sldId id="282" r:id="rId17"/>
+    <p:sldId id="273" r:id="rId18"/>
+    <p:sldId id="275" r:id="rId19"/>
+    <p:sldId id="276" r:id="rId20"/>
+    <p:sldId id="278" r:id="rId21"/>
+    <p:sldId id="277" r:id="rId22"/>
   </p:sldIdLst>
   <p:sldSz cx="9144000" cy="6858000" type="screen4x3"/>
   <p:notesSz cx="6858000" cy="9144000"/>
@@ -115,6 +124,22 @@
       </a:defRPr>
     </a:lvl9pPr>
   </p:defaultTextStyle>
+  <p:extLst>
+    <p:ext uri="{EFAFB233-063F-42B5-8137-9DF3F51BA10A}">
+      <p15:sldGuideLst xmlns:p15="http://schemas.microsoft.com/office/powerpoint/2012/main" xmlns="">
+        <p15:guide id="1" orient="horz" pos="2160">
+          <p15:clr>
+            <a:srgbClr val="A4A3A4"/>
+          </p15:clr>
+        </p15:guide>
+        <p15:guide id="2" pos="2880">
+          <p15:clr>
+            <a:srgbClr val="A4A3A4"/>
+          </p15:clr>
+        </p15:guide>
+      </p15:sldGuideLst>
+    </p:ext>
+  </p:extLst>
 </p:presentation>
 </file>
 
@@ -206,10 +231,9 @@
           </a:lstStyle>
           <a:p>
             <a:r>
-              <a:rPr kumimoji="0" lang="en-US" smtClean="0"/>
+              <a:rPr kumimoji="0" lang="en-US"/>
               <a:t>Click to edit Master title style</a:t>
             </a:r>
-            <a:endParaRPr kumimoji="0" lang="en-US"/>
           </a:p>
         </p:txBody>
       </p:sp>
@@ -267,10 +291,9 @@
           </a:lstStyle>
           <a:p>
             <a:r>
-              <a:rPr kumimoji="0" lang="en-US" smtClean="0"/>
+              <a:rPr kumimoji="0" lang="en-US"/>
               <a:t>Click to edit Master subtitle style</a:t>
             </a:r>
-            <a:endParaRPr kumimoji="0" lang="en-US"/>
           </a:p>
         </p:txBody>
       </p:sp>
@@ -291,7 +314,7 @@
           <a:p>
             <a:fld id="{F9AECC07-F7E5-4C87-A030-C8601BFA0502}" type="datetimeFigureOut">
               <a:rPr lang="en-US" smtClean="0"/>
-              <a:t>5/7/2022</a:t>
+              <a:t>5/9/2022</a:t>
             </a:fld>
             <a:endParaRPr lang="en-US"/>
           </a:p>
@@ -380,10 +403,9 @@
           <a:lstStyle/>
           <a:p>
             <a:r>
-              <a:rPr kumimoji="0" lang="en-US" smtClean="0"/>
+              <a:rPr kumimoji="0" lang="en-US"/>
               <a:t>Click to edit Master title style</a:t>
             </a:r>
-            <a:endParaRPr kumimoji="0" lang="en-US"/>
           </a:p>
         </p:txBody>
       </p:sp>
@@ -404,35 +426,35 @@
           <a:p>
             <a:pPr lvl="0" eaLnBrk="1" latinLnBrk="0" hangingPunct="1"/>
             <a:r>
-              <a:rPr lang="en-US" smtClean="0"/>
+              <a:rPr lang="en-US"/>
               <a:t>Click to edit Master text styles</a:t>
             </a:r>
           </a:p>
           <a:p>
             <a:pPr lvl="1" eaLnBrk="1" latinLnBrk="0" hangingPunct="1"/>
             <a:r>
-              <a:rPr lang="en-US" smtClean="0"/>
+              <a:rPr lang="en-US"/>
               <a:t>Second level</a:t>
             </a:r>
           </a:p>
           <a:p>
             <a:pPr lvl="2" eaLnBrk="1" latinLnBrk="0" hangingPunct="1"/>
             <a:r>
-              <a:rPr lang="en-US" smtClean="0"/>
+              <a:rPr lang="en-US"/>
               <a:t>Third level</a:t>
             </a:r>
           </a:p>
           <a:p>
             <a:pPr lvl="3" eaLnBrk="1" latinLnBrk="0" hangingPunct="1"/>
             <a:r>
-              <a:rPr lang="en-US" smtClean="0"/>
+              <a:rPr lang="en-US"/>
               <a:t>Fourth level</a:t>
             </a:r>
           </a:p>
           <a:p>
             <a:pPr lvl="4" eaLnBrk="1" latinLnBrk="0" hangingPunct="1"/>
             <a:r>
-              <a:rPr lang="en-US" smtClean="0"/>
+              <a:rPr lang="en-US"/>
               <a:t>Fifth level</a:t>
             </a:r>
             <a:endParaRPr kumimoji="0" lang="en-US"/>
@@ -456,7 +478,7 @@
           <a:p>
             <a:fld id="{F9AECC07-F7E5-4C87-A030-C8601BFA0502}" type="datetimeFigureOut">
               <a:rPr lang="en-US" smtClean="0"/>
-              <a:t>5/7/2022</a:t>
+              <a:t>5/9/2022</a:t>
             </a:fld>
             <a:endParaRPr lang="en-US"/>
           </a:p>
@@ -550,10 +572,9 @@
           <a:lstStyle/>
           <a:p>
             <a:r>
-              <a:rPr kumimoji="0" lang="en-US" smtClean="0"/>
+              <a:rPr kumimoji="0" lang="en-US"/>
               <a:t>Click to edit Master title style</a:t>
             </a:r>
-            <a:endParaRPr kumimoji="0" lang="en-US"/>
           </a:p>
         </p:txBody>
       </p:sp>
@@ -579,35 +600,35 @@
           <a:p>
             <a:pPr lvl="0" eaLnBrk="1" latinLnBrk="0" hangingPunct="1"/>
             <a:r>
-              <a:rPr lang="en-US" smtClean="0"/>
+              <a:rPr lang="en-US"/>
               <a:t>Click to edit Master text styles</a:t>
             </a:r>
           </a:p>
           <a:p>
             <a:pPr lvl="1" eaLnBrk="1" latinLnBrk="0" hangingPunct="1"/>
             <a:r>
-              <a:rPr lang="en-US" smtClean="0"/>
+              <a:rPr lang="en-US"/>
               <a:t>Second level</a:t>
             </a:r>
           </a:p>
           <a:p>
             <a:pPr lvl="2" eaLnBrk="1" latinLnBrk="0" hangingPunct="1"/>
             <a:r>
-              <a:rPr lang="en-US" smtClean="0"/>
+              <a:rPr lang="en-US"/>
               <a:t>Third level</a:t>
             </a:r>
           </a:p>
           <a:p>
             <a:pPr lvl="3" eaLnBrk="1" latinLnBrk="0" hangingPunct="1"/>
             <a:r>
-              <a:rPr lang="en-US" smtClean="0"/>
+              <a:rPr lang="en-US"/>
               <a:t>Fourth level</a:t>
             </a:r>
           </a:p>
           <a:p>
             <a:pPr lvl="4" eaLnBrk="1" latinLnBrk="0" hangingPunct="1"/>
             <a:r>
-              <a:rPr lang="en-US" smtClean="0"/>
+              <a:rPr lang="en-US"/>
               <a:t>Fifth level</a:t>
             </a:r>
             <a:endParaRPr kumimoji="0" lang="en-US"/>
@@ -631,7 +652,7 @@
           <a:p>
             <a:fld id="{F9AECC07-F7E5-4C87-A030-C8601BFA0502}" type="datetimeFigureOut">
               <a:rPr lang="en-US" smtClean="0"/>
-              <a:t>5/7/2022</a:t>
+              <a:t>5/9/2022</a:t>
             </a:fld>
             <a:endParaRPr lang="en-US"/>
           </a:p>
@@ -720,10 +741,9 @@
           <a:lstStyle/>
           <a:p>
             <a:r>
-              <a:rPr kumimoji="0" lang="en-US" smtClean="0"/>
+              <a:rPr kumimoji="0" lang="en-US"/>
               <a:t>Click to edit Master title style</a:t>
             </a:r>
-            <a:endParaRPr kumimoji="0" lang="en-US"/>
           </a:p>
         </p:txBody>
       </p:sp>
@@ -744,35 +764,35 @@
           <a:p>
             <a:pPr lvl="0" eaLnBrk="1" latinLnBrk="0" hangingPunct="1"/>
             <a:r>
-              <a:rPr lang="en-US" smtClean="0"/>
+              <a:rPr lang="en-US"/>
               <a:t>Click to edit Master text styles</a:t>
             </a:r>
           </a:p>
           <a:p>
             <a:pPr lvl="1" eaLnBrk="1" latinLnBrk="0" hangingPunct="1"/>
             <a:r>
-              <a:rPr lang="en-US" smtClean="0"/>
+              <a:rPr lang="en-US"/>
               <a:t>Second level</a:t>
             </a:r>
           </a:p>
           <a:p>
             <a:pPr lvl="2" eaLnBrk="1" latinLnBrk="0" hangingPunct="1"/>
             <a:r>
-              <a:rPr lang="en-US" smtClean="0"/>
+              <a:rPr lang="en-US"/>
               <a:t>Third level</a:t>
             </a:r>
           </a:p>
           <a:p>
             <a:pPr lvl="3" eaLnBrk="1" latinLnBrk="0" hangingPunct="1"/>
             <a:r>
-              <a:rPr lang="en-US" smtClean="0"/>
+              <a:rPr lang="en-US"/>
               <a:t>Fourth level</a:t>
             </a:r>
           </a:p>
           <a:p>
             <a:pPr lvl="4" eaLnBrk="1" latinLnBrk="0" hangingPunct="1"/>
             <a:r>
-              <a:rPr lang="en-US" smtClean="0"/>
+              <a:rPr lang="en-US"/>
               <a:t>Fifth level</a:t>
             </a:r>
             <a:endParaRPr kumimoji="0" lang="en-US"/>
@@ -796,7 +816,7 @@
           <a:p>
             <a:fld id="{F9AECC07-F7E5-4C87-A030-C8601BFA0502}" type="datetimeFigureOut">
               <a:rPr lang="en-US" smtClean="0"/>
-              <a:t>5/7/2022</a:t>
+              <a:t>5/9/2022</a:t>
             </a:fld>
             <a:endParaRPr lang="en-US"/>
           </a:p>
@@ -937,10 +957,9 @@
           </a:lstStyle>
           <a:p>
             <a:r>
-              <a:rPr kumimoji="0" lang="en-US" smtClean="0"/>
+              <a:rPr kumimoji="0" lang="en-US"/>
               <a:t>Click to edit Master title style</a:t>
             </a:r>
-            <a:endParaRPr kumimoji="0" lang="en-US"/>
           </a:p>
         </p:txBody>
       </p:sp>
@@ -1015,7 +1034,7 @@
           <a:p>
             <a:pPr lvl="0" eaLnBrk="1" latinLnBrk="0" hangingPunct="1"/>
             <a:r>
-              <a:rPr kumimoji="0" lang="en-US" smtClean="0"/>
+              <a:rPr kumimoji="0" lang="en-US"/>
               <a:t>Click to edit Master text styles</a:t>
             </a:r>
           </a:p>
@@ -1038,7 +1057,7 @@
           <a:p>
             <a:fld id="{F9AECC07-F7E5-4C87-A030-C8601BFA0502}" type="datetimeFigureOut">
               <a:rPr lang="en-US" smtClean="0"/>
-              <a:t>5/7/2022</a:t>
+              <a:t>5/9/2022</a:t>
             </a:fld>
             <a:endParaRPr lang="en-US"/>
           </a:p>
@@ -1132,10 +1151,9 @@
           <a:lstStyle/>
           <a:p>
             <a:r>
-              <a:rPr kumimoji="0" lang="en-US" smtClean="0"/>
+              <a:rPr kumimoji="0" lang="en-US"/>
               <a:t>Click to edit Master title style</a:t>
             </a:r>
-            <a:endParaRPr kumimoji="0" lang="en-US"/>
           </a:p>
         </p:txBody>
       </p:sp>
@@ -1177,35 +1195,35 @@
           <a:p>
             <a:pPr lvl="0" eaLnBrk="1" latinLnBrk="0" hangingPunct="1"/>
             <a:r>
-              <a:rPr lang="en-US" smtClean="0"/>
+              <a:rPr lang="en-US"/>
               <a:t>Click to edit Master text styles</a:t>
             </a:r>
           </a:p>
           <a:p>
             <a:pPr lvl="1" eaLnBrk="1" latinLnBrk="0" hangingPunct="1"/>
             <a:r>
-              <a:rPr lang="en-US" smtClean="0"/>
+              <a:rPr lang="en-US"/>
               <a:t>Second level</a:t>
             </a:r>
           </a:p>
           <a:p>
             <a:pPr lvl="2" eaLnBrk="1" latinLnBrk="0" hangingPunct="1"/>
             <a:r>
-              <a:rPr lang="en-US" smtClean="0"/>
+              <a:rPr lang="en-US"/>
               <a:t>Third level</a:t>
             </a:r>
           </a:p>
           <a:p>
             <a:pPr lvl="3" eaLnBrk="1" latinLnBrk="0" hangingPunct="1"/>
             <a:r>
-              <a:rPr lang="en-US" smtClean="0"/>
+              <a:rPr lang="en-US"/>
               <a:t>Fourth level</a:t>
             </a:r>
           </a:p>
           <a:p>
             <a:pPr lvl="4" eaLnBrk="1" latinLnBrk="0" hangingPunct="1"/>
             <a:r>
-              <a:rPr lang="en-US" smtClean="0"/>
+              <a:rPr lang="en-US"/>
               <a:t>Fifth level</a:t>
             </a:r>
             <a:endParaRPr kumimoji="0" lang="en-US"/>
@@ -1250,35 +1268,35 @@
           <a:p>
             <a:pPr lvl="0" eaLnBrk="1" latinLnBrk="0" hangingPunct="1"/>
             <a:r>
-              <a:rPr lang="en-US" smtClean="0"/>
+              <a:rPr lang="en-US"/>
               <a:t>Click to edit Master text styles</a:t>
             </a:r>
           </a:p>
           <a:p>
             <a:pPr lvl="1" eaLnBrk="1" latinLnBrk="0" hangingPunct="1"/>
             <a:r>
-              <a:rPr lang="en-US" smtClean="0"/>
+              <a:rPr lang="en-US"/>
               <a:t>Second level</a:t>
             </a:r>
           </a:p>
           <a:p>
             <a:pPr lvl="2" eaLnBrk="1" latinLnBrk="0" hangingPunct="1"/>
             <a:r>
-              <a:rPr lang="en-US" smtClean="0"/>
+              <a:rPr lang="en-US"/>
               <a:t>Third level</a:t>
             </a:r>
           </a:p>
           <a:p>
             <a:pPr lvl="3" eaLnBrk="1" latinLnBrk="0" hangingPunct="1"/>
             <a:r>
-              <a:rPr lang="en-US" smtClean="0"/>
+              <a:rPr lang="en-US"/>
               <a:t>Fourth level</a:t>
             </a:r>
           </a:p>
           <a:p>
             <a:pPr lvl="4" eaLnBrk="1" latinLnBrk="0" hangingPunct="1"/>
             <a:r>
-              <a:rPr lang="en-US" smtClean="0"/>
+              <a:rPr lang="en-US"/>
               <a:t>Fifth level</a:t>
             </a:r>
             <a:endParaRPr kumimoji="0" lang="en-US"/>
@@ -1302,7 +1320,7 @@
           <a:p>
             <a:fld id="{F9AECC07-F7E5-4C87-A030-C8601BFA0502}" type="datetimeFigureOut">
               <a:rPr lang="en-US" smtClean="0"/>
-              <a:t>5/7/2022</a:t>
+              <a:t>5/9/2022</a:t>
             </a:fld>
             <a:endParaRPr lang="en-US"/>
           </a:p>
@@ -1400,10 +1418,9 @@
           </a:lstStyle>
           <a:p>
             <a:r>
-              <a:rPr kumimoji="0" lang="en-US" smtClean="0"/>
+              <a:rPr kumimoji="0" lang="en-US"/>
               <a:t>Click to edit Master title style</a:t>
             </a:r>
-            <a:endParaRPr kumimoji="0" lang="en-US"/>
           </a:p>
         </p:txBody>
       </p:sp>
@@ -1457,7 +1474,7 @@
           <a:p>
             <a:pPr lvl="0" eaLnBrk="1" latinLnBrk="0" hangingPunct="1"/>
             <a:r>
-              <a:rPr kumimoji="0" lang="en-US" smtClean="0"/>
+              <a:rPr kumimoji="0" lang="en-US"/>
               <a:t>Click to edit Master text styles</a:t>
             </a:r>
           </a:p>
@@ -1511,7 +1528,7 @@
           <a:p>
             <a:pPr lvl="0" eaLnBrk="1" latinLnBrk="0" hangingPunct="1"/>
             <a:r>
-              <a:rPr kumimoji="0" lang="en-US" smtClean="0"/>
+              <a:rPr kumimoji="0" lang="en-US"/>
               <a:t>Click to edit Master text styles</a:t>
             </a:r>
           </a:p>
@@ -1555,35 +1572,35 @@
           <a:p>
             <a:pPr lvl="0" eaLnBrk="1" latinLnBrk="0" hangingPunct="1"/>
             <a:r>
-              <a:rPr lang="en-US" smtClean="0"/>
+              <a:rPr lang="en-US"/>
               <a:t>Click to edit Master text styles</a:t>
             </a:r>
           </a:p>
           <a:p>
             <a:pPr lvl="1" eaLnBrk="1" latinLnBrk="0" hangingPunct="1"/>
             <a:r>
-              <a:rPr lang="en-US" smtClean="0"/>
+              <a:rPr lang="en-US"/>
               <a:t>Second level</a:t>
             </a:r>
           </a:p>
           <a:p>
             <a:pPr lvl="2" eaLnBrk="1" latinLnBrk="0" hangingPunct="1"/>
             <a:r>
-              <a:rPr lang="en-US" smtClean="0"/>
+              <a:rPr lang="en-US"/>
               <a:t>Third level</a:t>
             </a:r>
           </a:p>
           <a:p>
             <a:pPr lvl="3" eaLnBrk="1" latinLnBrk="0" hangingPunct="1"/>
             <a:r>
-              <a:rPr lang="en-US" smtClean="0"/>
+              <a:rPr lang="en-US"/>
               <a:t>Fourth level</a:t>
             </a:r>
           </a:p>
           <a:p>
             <a:pPr lvl="4" eaLnBrk="1" latinLnBrk="0" hangingPunct="1"/>
             <a:r>
-              <a:rPr lang="en-US" smtClean="0"/>
+              <a:rPr lang="en-US"/>
               <a:t>Fifth level</a:t>
             </a:r>
             <a:endParaRPr kumimoji="0" lang="en-US"/>
@@ -1628,35 +1645,35 @@
           <a:p>
             <a:pPr lvl="0" eaLnBrk="1" latinLnBrk="0" hangingPunct="1"/>
             <a:r>
-              <a:rPr lang="en-US" smtClean="0"/>
+              <a:rPr lang="en-US"/>
               <a:t>Click to edit Master text styles</a:t>
             </a:r>
           </a:p>
           <a:p>
             <a:pPr lvl="1" eaLnBrk="1" latinLnBrk="0" hangingPunct="1"/>
             <a:r>
-              <a:rPr lang="en-US" smtClean="0"/>
+              <a:rPr lang="en-US"/>
               <a:t>Second level</a:t>
             </a:r>
           </a:p>
           <a:p>
             <a:pPr lvl="2" eaLnBrk="1" latinLnBrk="0" hangingPunct="1"/>
             <a:r>
-              <a:rPr lang="en-US" smtClean="0"/>
+              <a:rPr lang="en-US"/>
               <a:t>Third level</a:t>
             </a:r>
           </a:p>
           <a:p>
             <a:pPr lvl="3" eaLnBrk="1" latinLnBrk="0" hangingPunct="1"/>
             <a:r>
-              <a:rPr lang="en-US" smtClean="0"/>
+              <a:rPr lang="en-US"/>
               <a:t>Fourth level</a:t>
             </a:r>
           </a:p>
           <a:p>
             <a:pPr lvl="4" eaLnBrk="1" latinLnBrk="0" hangingPunct="1"/>
             <a:r>
-              <a:rPr lang="en-US" smtClean="0"/>
+              <a:rPr lang="en-US"/>
               <a:t>Fifth level</a:t>
             </a:r>
             <a:endParaRPr kumimoji="0" lang="en-US"/>
@@ -1680,7 +1697,7 @@
           <a:p>
             <a:fld id="{F9AECC07-F7E5-4C87-A030-C8601BFA0502}" type="datetimeFigureOut">
               <a:rPr lang="en-US" smtClean="0"/>
-              <a:t>5/7/2022</a:t>
+              <a:t>5/9/2022</a:t>
             </a:fld>
             <a:endParaRPr lang="en-US"/>
           </a:p>
@@ -1806,10 +1823,9 @@
           </a:lstStyle>
           <a:p>
             <a:r>
-              <a:rPr kumimoji="0" lang="en-US" smtClean="0"/>
+              <a:rPr kumimoji="0" lang="en-US"/>
               <a:t>Click to edit Master title style</a:t>
             </a:r>
-            <a:endParaRPr kumimoji="0" lang="en-US"/>
           </a:p>
         </p:txBody>
       </p:sp>
@@ -1830,7 +1846,7 @@
           <a:p>
             <a:fld id="{F9AECC07-F7E5-4C87-A030-C8601BFA0502}" type="datetimeFigureOut">
               <a:rPr lang="en-US" smtClean="0"/>
-              <a:t>5/7/2022</a:t>
+              <a:t>5/9/2022</a:t>
             </a:fld>
             <a:endParaRPr lang="en-US"/>
           </a:p>
@@ -1920,7 +1936,7 @@
           <a:p>
             <a:fld id="{F9AECC07-F7E5-4C87-A030-C8601BFA0502}" type="datetimeFigureOut">
               <a:rPr lang="en-US" smtClean="0"/>
-              <a:t>5/7/2022</a:t>
+              <a:t>5/9/2022</a:t>
             </a:fld>
             <a:endParaRPr lang="en-US"/>
           </a:p>
@@ -2035,10 +2051,9 @@
           </a:lstStyle>
           <a:p>
             <a:r>
-              <a:rPr kumimoji="0" lang="en-US" smtClean="0"/>
+              <a:rPr kumimoji="0" lang="en-US"/>
               <a:t>Click to edit Master title style</a:t>
             </a:r>
-            <a:endParaRPr kumimoji="0" lang="en-US"/>
           </a:p>
         </p:txBody>
       </p:sp>
@@ -2085,7 +2100,7 @@
           <a:p>
             <a:pPr lvl="0" eaLnBrk="1" latinLnBrk="0" hangingPunct="1"/>
             <a:r>
-              <a:rPr kumimoji="0" lang="en-US" smtClean="0"/>
+              <a:rPr kumimoji="0" lang="en-US"/>
               <a:t>Click to edit Master text styles</a:t>
             </a:r>
           </a:p>
@@ -2129,35 +2144,35 @@
           <a:p>
             <a:pPr lvl="0" eaLnBrk="1" latinLnBrk="0" hangingPunct="1"/>
             <a:r>
-              <a:rPr lang="en-US" smtClean="0"/>
+              <a:rPr lang="en-US"/>
               <a:t>Click to edit Master text styles</a:t>
             </a:r>
           </a:p>
           <a:p>
             <a:pPr lvl="1" eaLnBrk="1" latinLnBrk="0" hangingPunct="1"/>
             <a:r>
-              <a:rPr lang="en-US" smtClean="0"/>
+              <a:rPr lang="en-US"/>
               <a:t>Second level</a:t>
             </a:r>
           </a:p>
           <a:p>
             <a:pPr lvl="2" eaLnBrk="1" latinLnBrk="0" hangingPunct="1"/>
             <a:r>
-              <a:rPr lang="en-US" smtClean="0"/>
+              <a:rPr lang="en-US"/>
               <a:t>Third level</a:t>
             </a:r>
           </a:p>
           <a:p>
             <a:pPr lvl="3" eaLnBrk="1" latinLnBrk="0" hangingPunct="1"/>
             <a:r>
-              <a:rPr lang="en-US" smtClean="0"/>
+              <a:rPr lang="en-US"/>
               <a:t>Fourth level</a:t>
             </a:r>
           </a:p>
           <a:p>
             <a:pPr lvl="4" eaLnBrk="1" latinLnBrk="0" hangingPunct="1"/>
             <a:r>
-              <a:rPr lang="en-US" smtClean="0"/>
+              <a:rPr lang="en-US"/>
               <a:t>Fifth level</a:t>
             </a:r>
             <a:endParaRPr kumimoji="0" lang="en-US"/>
@@ -2181,7 +2196,7 @@
           <a:p>
             <a:fld id="{F9AECC07-F7E5-4C87-A030-C8601BFA0502}" type="datetimeFigureOut">
               <a:rPr lang="en-US" smtClean="0"/>
-              <a:t>5/7/2022</a:t>
+              <a:t>5/9/2022</a:t>
             </a:fld>
             <a:endParaRPr lang="en-US"/>
           </a:p>
@@ -2396,10 +2411,9 @@
           </a:lstStyle>
           <a:p>
             <a:r>
-              <a:rPr kumimoji="0" lang="en-US" smtClean="0"/>
+              <a:rPr kumimoji="0" lang="en-US"/>
               <a:t>Click to edit Master title style</a:t>
             </a:r>
-            <a:endParaRPr kumimoji="0" lang="en-US"/>
           </a:p>
         </p:txBody>
       </p:sp>
@@ -2446,7 +2460,7 @@
           <a:p>
             <a:pPr lvl="0" eaLnBrk="1" latinLnBrk="0" hangingPunct="1"/>
             <a:r>
-              <a:rPr kumimoji="0" lang="en-US" smtClean="0"/>
+              <a:rPr kumimoji="0" lang="en-US"/>
               <a:t>Click to edit Master text styles</a:t>
             </a:r>
           </a:p>
@@ -2469,7 +2483,7 @@
           <a:p>
             <a:fld id="{F9AECC07-F7E5-4C87-A030-C8601BFA0502}" type="datetimeFigureOut">
               <a:rPr lang="en-US" smtClean="0"/>
-              <a:t>5/7/2022</a:t>
+              <a:t>5/9/2022</a:t>
             </a:fld>
             <a:endParaRPr lang="en-US"/>
           </a:p>
@@ -2561,7 +2575,7 @@
           </a:lstStyle>
           <a:p>
             <a:r>
-              <a:rPr kumimoji="0" lang="en-US" smtClean="0"/>
+              <a:rPr kumimoji="0" lang="en-US"/>
               <a:t>Click icon to add picture</a:t>
             </a:r>
             <a:endParaRPr kumimoji="0" lang="en-US" dirty="0"/>
@@ -3136,10 +3150,9 @@
           <a:lstStyle/>
           <a:p>
             <a:r>
-              <a:rPr kumimoji="0" lang="en-US" smtClean="0"/>
+              <a:rPr kumimoji="0" lang="en-US"/>
               <a:t>Click to edit Master title style</a:t>
             </a:r>
-            <a:endParaRPr kumimoji="0" lang="en-US"/>
           </a:p>
         </p:txBody>
       </p:sp>
@@ -3170,38 +3183,37 @@
           <a:p>
             <a:pPr lvl="0" eaLnBrk="1" latinLnBrk="0" hangingPunct="1"/>
             <a:r>
-              <a:rPr kumimoji="0" lang="en-US" smtClean="0"/>
+              <a:rPr kumimoji="0" lang="en-US"/>
               <a:t>Click to edit Master text styles</a:t>
             </a:r>
           </a:p>
           <a:p>
             <a:pPr lvl="1" eaLnBrk="1" latinLnBrk="0" hangingPunct="1"/>
             <a:r>
-              <a:rPr kumimoji="0" lang="en-US" smtClean="0"/>
+              <a:rPr kumimoji="0" lang="en-US"/>
               <a:t>Second level</a:t>
             </a:r>
           </a:p>
           <a:p>
             <a:pPr lvl="2" eaLnBrk="1" latinLnBrk="0" hangingPunct="1"/>
             <a:r>
-              <a:rPr kumimoji="0" lang="en-US" smtClean="0"/>
+              <a:rPr kumimoji="0" lang="en-US"/>
               <a:t>Third level</a:t>
             </a:r>
           </a:p>
           <a:p>
             <a:pPr lvl="3" eaLnBrk="1" latinLnBrk="0" hangingPunct="1"/>
             <a:r>
-              <a:rPr kumimoji="0" lang="en-US" smtClean="0"/>
+              <a:rPr kumimoji="0" lang="en-US"/>
               <a:t>Fourth level</a:t>
             </a:r>
           </a:p>
           <a:p>
             <a:pPr lvl="4" eaLnBrk="1" latinLnBrk="0" hangingPunct="1"/>
             <a:r>
-              <a:rPr kumimoji="0" lang="en-US" smtClean="0"/>
+              <a:rPr kumimoji="0" lang="en-US"/>
               <a:t>Fifth level</a:t>
             </a:r>
-            <a:endParaRPr kumimoji="0" lang="en-US"/>
           </a:p>
         </p:txBody>
       </p:sp>
@@ -3240,7 +3252,7 @@
           <a:p>
             <a:fld id="{F9AECC07-F7E5-4C87-A030-C8601BFA0502}" type="datetimeFigureOut">
               <a:rPr lang="en-US" smtClean="0"/>
-              <a:t>5/7/2022</a:t>
+              <a:t>5/9/2022</a:t>
             </a:fld>
             <a:endParaRPr lang="en-US"/>
           </a:p>
@@ -3871,16 +3883,15 @@
         <p:spPr/>
         <p:txBody>
           <a:bodyPr>
-            <a:normAutofit/>
+            <a:normAutofit fontScale="90000"/>
           </a:bodyPr>
           <a:lstStyle/>
           <a:p>
             <a:pPr algn="ctr"/>
             <a:r>
-              <a:rPr lang="en-US" sz="5900" dirty="0" smtClean="0"/>
-              <a:t>Unicorn Companies Feature Analysis</a:t>
-            </a:r>
-            <a:endParaRPr lang="en-US" sz="5900" dirty="0"/>
+              <a:rPr lang="en-US" sz="5900" dirty="0"/>
+              <a:t>Unicorn company valuation  and investor analysis</a:t>
+            </a:r>
           </a:p>
         </p:txBody>
       </p:sp>
@@ -3900,17 +3911,13 @@
           <a:lstStyle/>
           <a:p>
             <a:pPr algn="ctr"/>
-            <a:endParaRPr lang="en-US" dirty="0" smtClean="0"/>
+            <a:endParaRPr lang="en-US" dirty="0"/>
           </a:p>
           <a:p>
             <a:pPr algn="ctr"/>
             <a:r>
-              <a:rPr lang="en-US" dirty="0" smtClean="0"/>
-              <a:t>Monika </a:t>
-            </a:r>
-            <a:r>
-              <a:rPr lang="en-US" dirty="0"/>
-              <a:t>Singh</a:t>
+              <a:rPr lang="en-US" dirty="0"/>
+              <a:t>Monika Singh</a:t>
             </a:r>
           </a:p>
           <a:p>
@@ -3918,6 +3925,13 @@
             <a:r>
               <a:rPr lang="en-US" sz="2000" dirty="0"/>
               <a:t>NYC data Science Academy, New York</a:t>
+            </a:r>
+          </a:p>
+          <a:p>
+            <a:pPr algn="ctr"/>
+            <a:r>
+              <a:rPr lang="en-US" sz="2000" dirty="0"/>
+              <a:t>5/9/2022</a:t>
             </a:r>
           </a:p>
           <a:p>
@@ -3967,18 +3981,12 @@
         </p:nvSpPr>
         <p:spPr/>
         <p:txBody>
-          <a:bodyPr>
-            <a:normAutofit fontScale="90000"/>
-          </a:bodyPr>
-          <a:lstStyle/>
-          <a:p>
-            <a:r>
-              <a:rPr lang="en-US" dirty="0"/>
-              <a:t>Valuation </a:t>
-            </a:r>
+          <a:bodyPr/>
+          <a:lstStyle/>
+          <a:p>
             <a:r>
               <a:rPr lang="en-US" dirty="0" smtClean="0"/>
-              <a:t>versus Number of Investors </a:t>
+              <a:t>Valuation</a:t>
             </a:r>
             <a:endParaRPr lang="en-US" dirty="0"/>
           </a:p>
@@ -4008,74 +4016,15 @@
         </p:blipFill>
         <p:spPr>
           <a:xfrm>
-            <a:off x="228600" y="1905000"/>
-            <a:ext cx="8669019" cy="3657600"/>
+            <a:off x="76200" y="2209800"/>
+            <a:ext cx="8888884" cy="3733800"/>
           </a:xfrm>
         </p:spPr>
       </p:pic>
-      <p:sp>
-        <p:nvSpPr>
-          <p:cNvPr id="5" name="Rectangle 4"/>
-          <p:cNvSpPr/>
-          <p:nvPr/>
-        </p:nvSpPr>
-        <p:spPr>
-          <a:xfrm>
-            <a:off x="457200" y="5791200"/>
-            <a:ext cx="8534400" cy="914400"/>
-          </a:xfrm>
-          <a:prstGeom prst="rect">
-            <a:avLst/>
-          </a:prstGeom>
-          <a:ln>
-            <a:noFill/>
-          </a:ln>
-        </p:spPr>
-        <p:style>
-          <a:lnRef idx="2">
-            <a:schemeClr val="dk1"/>
-          </a:lnRef>
-          <a:fillRef idx="1">
-            <a:schemeClr val="lt1"/>
-          </a:fillRef>
-          <a:effectRef idx="0">
-            <a:schemeClr val="dk1"/>
-          </a:effectRef>
-          <a:fontRef idx="minor">
-            <a:schemeClr val="dk1"/>
-          </a:fontRef>
-        </p:style>
-        <p:txBody>
-          <a:bodyPr rtlCol="0" anchor="ctr"/>
-          <a:lstStyle/>
-          <a:p>
-            <a:pPr algn="ctr"/>
-            <a:r>
-              <a:rPr lang="en-US" dirty="0" smtClean="0">
-                <a:solidFill>
-                  <a:schemeClr val="tx1">
-                    <a:lumMod val="85000"/>
-                    <a:lumOff val="15000"/>
-                  </a:schemeClr>
-                </a:solidFill>
-              </a:rPr>
-              <a:t>Every new investor increases the valuation of the company by 167 million with the 95% confidence interval of 22 million.</a:t>
-            </a:r>
-            <a:endParaRPr lang="en-US" dirty="0">
-              <a:solidFill>
-                <a:schemeClr val="tx1">
-                  <a:lumMod val="85000"/>
-                  <a:lumOff val="15000"/>
-                </a:schemeClr>
-              </a:solidFill>
-            </a:endParaRPr>
-          </a:p>
-        </p:txBody>
-      </p:sp>
     </p:spTree>
     <p:extLst>
       <p:ext uri="{BB962C8B-B14F-4D97-AF65-F5344CB8AC3E}">
-        <p14:creationId xmlns:p14="http://schemas.microsoft.com/office/powerpoint/2010/main" val="2657288685"/>
+        <p14:creationId xmlns:p14="http://schemas.microsoft.com/office/powerpoint/2010/main" val="1589717787"/>
       </p:ext>
     </p:extLst>
   </p:cSld>
@@ -4119,13 +4068,19 @@
             <p:ph type="title"/>
           </p:nvPr>
         </p:nvSpPr>
-        <p:spPr/>
+        <p:spPr>
+          <a:xfrm>
+            <a:off x="1066800" y="838200"/>
+            <a:ext cx="7620000" cy="1143000"/>
+          </a:xfrm>
+        </p:spPr>
         <p:txBody>
           <a:bodyPr>
             <a:normAutofit fontScale="90000"/>
           </a:bodyPr>
           <a:lstStyle/>
           <a:p>
+            <a:pPr algn="ctr"/>
             <a:r>
               <a:rPr lang="en-US" dirty="0"/>
               <a:t>Valuation versus Number of Investors </a:t>
@@ -4171,7 +4126,7 @@
           <a:p>
             <a:pPr algn="ctr"/>
             <a:r>
-              <a:rPr lang="en-US" dirty="0" smtClean="0">
+              <a:rPr lang="en-US" dirty="0">
                 <a:solidFill>
                   <a:schemeClr val="tx1">
                     <a:lumMod val="85000"/>
@@ -4179,16 +4134,8 @@
                   </a:schemeClr>
                 </a:solidFill>
               </a:rPr>
-              <a:t>Every new investor increases the valuation of the company by 57 million with the 95% confidence interval of 27 million.</a:t>
-            </a:r>
-            <a:endParaRPr lang="en-US" dirty="0">
-              <a:solidFill>
-                <a:schemeClr val="tx1">
-                  <a:lumMod val="85000"/>
-                  <a:lumOff val="15000"/>
-                </a:schemeClr>
-              </a:solidFill>
-            </a:endParaRPr>
+              <a:t>Valuation = $167 million * (number of investors)  + $86 million </a:t>
+            </a:r>
           </a:p>
         </p:txBody>
       </p:sp>
@@ -4216,15 +4163,15 @@
         </p:blipFill>
         <p:spPr>
           <a:xfrm>
-            <a:off x="152400" y="1905000"/>
-            <a:ext cx="8686800" cy="3667043"/>
+            <a:off x="0" y="1981200"/>
+            <a:ext cx="9052796" cy="3733800"/>
           </a:xfrm>
         </p:spPr>
       </p:pic>
     </p:spTree>
     <p:extLst>
       <p:ext uri="{BB962C8B-B14F-4D97-AF65-F5344CB8AC3E}">
-        <p14:creationId xmlns:p14="http://schemas.microsoft.com/office/powerpoint/2010/main" val="3102718196"/>
+        <p14:creationId xmlns:p14="http://schemas.microsoft.com/office/powerpoint/2010/main" val="2657288685"/>
       </p:ext>
     </p:extLst>
   </p:cSld>
@@ -4274,82 +4221,134 @@
           <a:lstStyle/>
           <a:p>
             <a:r>
-              <a:rPr lang="en-US" dirty="0" smtClean="0"/>
+              <a:rPr lang="en-US" dirty="0"/>
               <a:t>Multi-variable analysis</a:t>
             </a:r>
+          </a:p>
+        </p:txBody>
+      </p:sp>
+      <p:sp>
+        <p:nvSpPr>
+          <p:cNvPr id="3" name="Content Placeholder 2"/>
+          <p:cNvSpPr>
+            <a:spLocks noGrp="1"/>
+          </p:cNvSpPr>
+          <p:nvPr>
+            <p:ph idx="1"/>
+          </p:nvPr>
+        </p:nvSpPr>
+        <p:spPr>
+          <a:xfrm>
+            <a:off x="457200" y="1935480"/>
+            <a:ext cx="8229600" cy="2103120"/>
+          </a:xfrm>
+        </p:spPr>
+        <p:txBody>
+          <a:bodyPr>
+            <a:normAutofit/>
+          </a:bodyPr>
+          <a:lstStyle/>
+          <a:p>
+            <a:r>
+              <a:rPr lang="en-US" dirty="0"/>
+              <a:t>Analysis of </a:t>
+            </a:r>
+            <a:r>
+              <a:rPr lang="en-US" b="1" dirty="0"/>
+              <a:t>number of investors</a:t>
+            </a:r>
+            <a:r>
+              <a:rPr lang="en-US" dirty="0"/>
+              <a:t> and </a:t>
+            </a:r>
+            <a:r>
+              <a:rPr lang="en-US" b="1" dirty="0"/>
+              <a:t>years since founding</a:t>
+            </a:r>
+            <a:r>
+              <a:rPr lang="en-US" dirty="0"/>
+              <a:t> on the valuation of the company.</a:t>
+            </a:r>
+          </a:p>
+          <a:p>
             <a:endParaRPr lang="en-US" dirty="0"/>
           </a:p>
-        </p:txBody>
-      </p:sp>
-      <p:sp>
-        <p:nvSpPr>
-          <p:cNvPr id="3" name="Content Placeholder 2"/>
-          <p:cNvSpPr>
-            <a:spLocks noGrp="1"/>
-          </p:cNvSpPr>
-          <p:nvPr>
-            <p:ph idx="1"/>
-          </p:nvPr>
-        </p:nvSpPr>
-        <p:spPr/>
-        <p:txBody>
-          <a:bodyPr/>
-          <a:lstStyle/>
-          <a:p>
-            <a:r>
-              <a:rPr lang="en-US" dirty="0" smtClean="0"/>
-              <a:t>Analysis of Number of Investors and Years since found on the valuation of the company.</a:t>
-            </a:r>
-          </a:p>
-          <a:p>
+          <a:p>
+            <a:pPr marL="393192" lvl="1" indent="0">
+              <a:buNone/>
+            </a:pPr>
             <a:endParaRPr lang="en-US" dirty="0"/>
           </a:p>
-          <a:p>
-            <a:pPr lvl="1"/>
-            <a:r>
-              <a:rPr lang="en-US" dirty="0" smtClean="0"/>
-              <a:t>Every new investor increases the valuation of </a:t>
-            </a:r>
-            <a:r>
-              <a:rPr lang="en-US" dirty="0"/>
-              <a:t>the company by </a:t>
-            </a:r>
-            <a:r>
-              <a:rPr lang="en-US" dirty="0" smtClean="0"/>
-              <a:t>185 million (while keeping number of years constant) with 95% </a:t>
-            </a:r>
-            <a:r>
-              <a:rPr lang="en-US" dirty="0"/>
-              <a:t>confidence interval of </a:t>
-            </a:r>
-            <a:r>
-              <a:rPr lang="en-US" dirty="0" smtClean="0"/>
-              <a:t>23 million.</a:t>
-            </a:r>
-          </a:p>
-          <a:p>
-            <a:pPr lvl="1"/>
-            <a:r>
-              <a:rPr lang="en-US" dirty="0" smtClean="0"/>
-              <a:t>Every year increases the valuation of </a:t>
-            </a:r>
-            <a:r>
-              <a:rPr lang="en-US" dirty="0"/>
-              <a:t>a company by </a:t>
-            </a:r>
-            <a:r>
-              <a:rPr lang="en-US" dirty="0" smtClean="0"/>
-              <a:t>136 million with 95% </a:t>
-            </a:r>
-            <a:r>
-              <a:rPr lang="en-US" dirty="0"/>
-              <a:t>confidence interval of </a:t>
-            </a:r>
-            <a:r>
-              <a:rPr lang="en-US" dirty="0" smtClean="0"/>
-              <a:t>38 millions.</a:t>
-            </a:r>
-            <a:endParaRPr lang="en-US" dirty="0"/>
+        </p:txBody>
+      </p:sp>
+      <p:sp>
+        <p:nvSpPr>
+          <p:cNvPr id="5" name="TextBox 4">
+            <a:extLst>
+              <a:ext uri="{FF2B5EF4-FFF2-40B4-BE49-F238E27FC236}">
+                <a16:creationId xmlns:a16="http://schemas.microsoft.com/office/drawing/2014/main" xmlns="" id="{253BF112-4499-8ADC-3DE9-ABFE959B914D}"/>
+              </a:ext>
+            </a:extLst>
+          </p:cNvPr>
+          <p:cNvSpPr txBox="1"/>
+          <p:nvPr/>
+        </p:nvSpPr>
+        <p:spPr>
+          <a:xfrm>
+            <a:off x="-381000" y="4274165"/>
+            <a:ext cx="10058400" cy="1123384"/>
+          </a:xfrm>
+          <a:prstGeom prst="rect">
+            <a:avLst/>
+          </a:prstGeom>
+          <a:noFill/>
+        </p:spPr>
+        <p:txBody>
+          <a:bodyPr wrap="square" rtlCol="0">
+            <a:spAutoFit/>
+          </a:bodyPr>
+          <a:lstStyle/>
+          <a:p>
+            <a:pPr marL="393192" lvl="1" indent="0">
+              <a:buNone/>
+            </a:pPr>
+            <a:r>
+              <a:rPr lang="en-US" sz="1700" b="1" u="sng" dirty="0">
+                <a:latin typeface="Cambria Math" panose="02040503050406030204" pitchFamily="18" charset="0"/>
+                <a:ea typeface="Cambria Math" panose="02040503050406030204" pitchFamily="18" charset="0"/>
+              </a:rPr>
+              <a:t>All unicorns</a:t>
+            </a:r>
+          </a:p>
+          <a:p>
+            <a:pPr marL="393192" lvl="1" indent="0">
+              <a:buNone/>
+            </a:pPr>
+            <a:r>
+              <a:rPr lang="en-US" sz="1700" dirty="0">
+                <a:latin typeface="Cambria Math" panose="02040503050406030204" pitchFamily="18" charset="0"/>
+                <a:ea typeface="Cambria Math" panose="02040503050406030204" pitchFamily="18" charset="0"/>
+              </a:rPr>
+              <a:t>Valuation = $185 million * (# of investors) + $136 million * (years since founding) – $640 million</a:t>
+            </a:r>
+          </a:p>
+          <a:p>
+            <a:pPr marL="393192" lvl="1" indent="0">
+              <a:buNone/>
+            </a:pPr>
+            <a:endParaRPr lang="en-US" sz="1700" dirty="0">
+              <a:latin typeface="Cambria Math" panose="02040503050406030204" pitchFamily="18" charset="0"/>
+              <a:ea typeface="Cambria Math" panose="02040503050406030204" pitchFamily="18" charset="0"/>
+            </a:endParaRPr>
+          </a:p>
+          <a:p>
+            <a:pPr marL="393192" lvl="1" indent="0">
+              <a:buNone/>
+            </a:pPr>
+            <a:endParaRPr lang="en-US" sz="1600" dirty="0">
+              <a:latin typeface="Cambria Math" panose="02040503050406030204" pitchFamily="18" charset="0"/>
+              <a:ea typeface="Cambria Math" panose="02040503050406030204" pitchFamily="18" charset="0"/>
+            </a:endParaRPr>
           </a:p>
         </p:txBody>
       </p:sp>
@@ -4357,6 +4356,1082 @@
     <p:extLst>
       <p:ext uri="{BB962C8B-B14F-4D97-AF65-F5344CB8AC3E}">
         <p14:creationId xmlns:p14="http://schemas.microsoft.com/office/powerpoint/2010/main" val="717002863"/>
+      </p:ext>
+    </p:extLst>
+  </p:cSld>
+  <p:clrMapOvr>
+    <a:masterClrMapping/>
+  </p:clrMapOvr>
+  <p:timing>
+    <p:tnLst>
+      <p:par>
+        <p:cTn id="1" dur="indefinite" restart="never" nodeType="tmRoot"/>
+      </p:par>
+    </p:tnLst>
+  </p:timing>
+</p:sld>
+</file>
+
+<file path=ppt/slides/slide13.xml><?xml version="1.0" encoding="utf-8"?>
+<p:sld xmlns:a="http://schemas.openxmlformats.org/drawingml/2006/main" xmlns:r="http://schemas.openxmlformats.org/officeDocument/2006/relationships" xmlns:p="http://schemas.openxmlformats.org/presentationml/2006/main">
+  <p:cSld>
+    <p:spTree>
+      <p:nvGrpSpPr>
+        <p:cNvPr id="1" name=""/>
+        <p:cNvGrpSpPr/>
+        <p:nvPr/>
+      </p:nvGrpSpPr>
+      <p:grpSpPr>
+        <a:xfrm>
+          <a:off x="0" y="0"/>
+          <a:ext cx="0" cy="0"/>
+          <a:chOff x="0" y="0"/>
+          <a:chExt cx="0" cy="0"/>
+        </a:xfrm>
+      </p:grpSpPr>
+      <p:sp>
+        <p:nvSpPr>
+          <p:cNvPr id="2" name="Title 1"/>
+          <p:cNvSpPr>
+            <a:spLocks noGrp="1"/>
+          </p:cNvSpPr>
+          <p:nvPr>
+            <p:ph type="title"/>
+          </p:nvPr>
+        </p:nvSpPr>
+        <p:spPr/>
+        <p:txBody>
+          <a:bodyPr/>
+          <a:lstStyle/>
+          <a:p>
+            <a:r>
+              <a:rPr lang="en-US" dirty="0"/>
+              <a:t>Multi-variable analysis</a:t>
+            </a:r>
+          </a:p>
+        </p:txBody>
+      </p:sp>
+      <p:sp>
+        <p:nvSpPr>
+          <p:cNvPr id="3" name="Content Placeholder 2"/>
+          <p:cNvSpPr>
+            <a:spLocks noGrp="1"/>
+          </p:cNvSpPr>
+          <p:nvPr>
+            <p:ph idx="1"/>
+          </p:nvPr>
+        </p:nvSpPr>
+        <p:spPr>
+          <a:xfrm>
+            <a:off x="457200" y="1935480"/>
+            <a:ext cx="8229600" cy="2103120"/>
+          </a:xfrm>
+        </p:spPr>
+        <p:txBody>
+          <a:bodyPr>
+            <a:normAutofit fontScale="92500" lnSpcReduction="20000"/>
+          </a:bodyPr>
+          <a:lstStyle/>
+          <a:p>
+            <a:r>
+              <a:rPr lang="en-US" dirty="0"/>
+              <a:t>Analysis of </a:t>
+            </a:r>
+            <a:r>
+              <a:rPr lang="en-US" b="1" dirty="0"/>
+              <a:t>number of investors</a:t>
+            </a:r>
+            <a:r>
+              <a:rPr lang="en-US" dirty="0"/>
+              <a:t> and </a:t>
+            </a:r>
+            <a:r>
+              <a:rPr lang="en-US" b="1" dirty="0"/>
+              <a:t>years since founding</a:t>
+            </a:r>
+            <a:r>
+              <a:rPr lang="en-US" dirty="0"/>
+              <a:t> on the valuation of the company.</a:t>
+            </a:r>
+          </a:p>
+          <a:p>
+            <a:r>
+              <a:rPr lang="en-US" dirty="0"/>
+              <a:t>Motivation for studying U.S. and China unicorns separately:</a:t>
+            </a:r>
+          </a:p>
+          <a:p>
+            <a:pPr lvl="1"/>
+            <a:r>
+              <a:rPr lang="en-US" dirty="0"/>
+              <a:t>The U.S. and China have different political and economic systems, which we would expect to impact startup valuations.</a:t>
+            </a:r>
+          </a:p>
+          <a:p>
+            <a:endParaRPr lang="en-US" dirty="0"/>
+          </a:p>
+          <a:p>
+            <a:pPr marL="393192" lvl="1" indent="0">
+              <a:buNone/>
+            </a:pPr>
+            <a:endParaRPr lang="en-US" dirty="0"/>
+          </a:p>
+        </p:txBody>
+      </p:sp>
+      <p:sp>
+        <p:nvSpPr>
+          <p:cNvPr id="5" name="TextBox 4">
+            <a:extLst>
+              <a:ext uri="{FF2B5EF4-FFF2-40B4-BE49-F238E27FC236}">
+                <a16:creationId xmlns:a16="http://schemas.microsoft.com/office/drawing/2014/main" xmlns="" id="{253BF112-4499-8ADC-3DE9-ABFE959B914D}"/>
+              </a:ext>
+            </a:extLst>
+          </p:cNvPr>
+          <p:cNvSpPr txBox="1"/>
+          <p:nvPr/>
+        </p:nvSpPr>
+        <p:spPr>
+          <a:xfrm>
+            <a:off x="-381000" y="4274165"/>
+            <a:ext cx="10058400" cy="1661993"/>
+          </a:xfrm>
+          <a:prstGeom prst="rect">
+            <a:avLst/>
+          </a:prstGeom>
+          <a:noFill/>
+        </p:spPr>
+        <p:txBody>
+          <a:bodyPr wrap="square" rtlCol="0">
+            <a:spAutoFit/>
+          </a:bodyPr>
+          <a:lstStyle/>
+          <a:p>
+            <a:pPr marL="393192" lvl="1" indent="0">
+              <a:buNone/>
+            </a:pPr>
+            <a:r>
+              <a:rPr lang="en-US" sz="1700" b="1" u="sng" dirty="0">
+                <a:latin typeface="Cambria Math" panose="02040503050406030204" pitchFamily="18" charset="0"/>
+                <a:ea typeface="Cambria Math" panose="02040503050406030204" pitchFamily="18" charset="0"/>
+              </a:rPr>
+              <a:t>All unicorns</a:t>
+            </a:r>
+          </a:p>
+          <a:p>
+            <a:pPr marL="393192" lvl="1" indent="0">
+              <a:buNone/>
+            </a:pPr>
+            <a:r>
+              <a:rPr lang="en-US" sz="1700" dirty="0">
+                <a:latin typeface="Cambria Math" panose="02040503050406030204" pitchFamily="18" charset="0"/>
+                <a:ea typeface="Cambria Math" panose="02040503050406030204" pitchFamily="18" charset="0"/>
+              </a:rPr>
+              <a:t>Valuation = $185 million * (# of investors) + $136 million * (years since founding) – $640 million</a:t>
+            </a:r>
+          </a:p>
+          <a:p>
+            <a:pPr marL="393192" lvl="1" indent="0">
+              <a:buNone/>
+            </a:pPr>
+            <a:endParaRPr lang="en-US" sz="1700" dirty="0">
+              <a:latin typeface="Cambria Math" panose="02040503050406030204" pitchFamily="18" charset="0"/>
+              <a:ea typeface="Cambria Math" panose="02040503050406030204" pitchFamily="18" charset="0"/>
+            </a:endParaRPr>
+          </a:p>
+          <a:p>
+            <a:pPr marL="393192" lvl="1" indent="0">
+              <a:buNone/>
+            </a:pPr>
+            <a:r>
+              <a:rPr lang="en-US" sz="1700" b="1" u="sng" dirty="0">
+                <a:latin typeface="Cambria Math" panose="02040503050406030204" pitchFamily="18" charset="0"/>
+                <a:ea typeface="Cambria Math" panose="02040503050406030204" pitchFamily="18" charset="0"/>
+              </a:rPr>
+              <a:t>U.S. unicorns</a:t>
+            </a:r>
+          </a:p>
+          <a:p>
+            <a:pPr marL="393192" lvl="1" indent="0">
+              <a:buNone/>
+            </a:pPr>
+            <a:r>
+              <a:rPr lang="en-US" sz="1700" dirty="0">
+                <a:latin typeface="Cambria Math" panose="02040503050406030204" pitchFamily="18" charset="0"/>
+                <a:ea typeface="Cambria Math" panose="02040503050406030204" pitchFamily="18" charset="0"/>
+              </a:rPr>
+              <a:t>Valuation = $159 million * (# of investors) + $238 million * (years since founding) – $1.09 billion</a:t>
+            </a:r>
+          </a:p>
+          <a:p>
+            <a:pPr marL="393192" lvl="1" indent="0">
+              <a:buNone/>
+            </a:pPr>
+            <a:endParaRPr lang="en-US" sz="1700" dirty="0">
+              <a:latin typeface="Cambria Math" panose="02040503050406030204" pitchFamily="18" charset="0"/>
+              <a:ea typeface="Cambria Math" panose="02040503050406030204" pitchFamily="18" charset="0"/>
+            </a:endParaRPr>
+          </a:p>
+        </p:txBody>
+      </p:sp>
+    </p:spTree>
+    <p:extLst>
+      <p:ext uri="{BB962C8B-B14F-4D97-AF65-F5344CB8AC3E}">
+        <p14:creationId xmlns:p14="http://schemas.microsoft.com/office/powerpoint/2010/main" val="3297210775"/>
+      </p:ext>
+    </p:extLst>
+  </p:cSld>
+  <p:clrMapOvr>
+    <a:masterClrMapping/>
+  </p:clrMapOvr>
+  <p:timing>
+    <p:tnLst>
+      <p:par>
+        <p:cTn id="1" dur="indefinite" restart="never" nodeType="tmRoot"/>
+      </p:par>
+    </p:tnLst>
+  </p:timing>
+</p:sld>
+</file>
+
+<file path=ppt/slides/slide14.xml><?xml version="1.0" encoding="utf-8"?>
+<p:sld xmlns:a="http://schemas.openxmlformats.org/drawingml/2006/main" xmlns:r="http://schemas.openxmlformats.org/officeDocument/2006/relationships" xmlns:p="http://schemas.openxmlformats.org/presentationml/2006/main">
+  <p:cSld>
+    <p:spTree>
+      <p:nvGrpSpPr>
+        <p:cNvPr id="1" name=""/>
+        <p:cNvGrpSpPr/>
+        <p:nvPr/>
+      </p:nvGrpSpPr>
+      <p:grpSpPr>
+        <a:xfrm>
+          <a:off x="0" y="0"/>
+          <a:ext cx="0" cy="0"/>
+          <a:chOff x="0" y="0"/>
+          <a:chExt cx="0" cy="0"/>
+        </a:xfrm>
+      </p:grpSpPr>
+      <p:sp>
+        <p:nvSpPr>
+          <p:cNvPr id="2" name="Title 1"/>
+          <p:cNvSpPr>
+            <a:spLocks noGrp="1"/>
+          </p:cNvSpPr>
+          <p:nvPr>
+            <p:ph type="title"/>
+          </p:nvPr>
+        </p:nvSpPr>
+        <p:spPr/>
+        <p:txBody>
+          <a:bodyPr/>
+          <a:lstStyle/>
+          <a:p>
+            <a:r>
+              <a:rPr lang="en-US" dirty="0"/>
+              <a:t>Multi-variable analysis</a:t>
+            </a:r>
+          </a:p>
+        </p:txBody>
+      </p:sp>
+      <p:sp>
+        <p:nvSpPr>
+          <p:cNvPr id="3" name="Content Placeholder 2"/>
+          <p:cNvSpPr>
+            <a:spLocks noGrp="1"/>
+          </p:cNvSpPr>
+          <p:nvPr>
+            <p:ph idx="1"/>
+          </p:nvPr>
+        </p:nvSpPr>
+        <p:spPr>
+          <a:xfrm>
+            <a:off x="457200" y="1935480"/>
+            <a:ext cx="8229600" cy="2103120"/>
+          </a:xfrm>
+        </p:spPr>
+        <p:txBody>
+          <a:bodyPr>
+            <a:normAutofit fontScale="92500" lnSpcReduction="20000"/>
+          </a:bodyPr>
+          <a:lstStyle/>
+          <a:p>
+            <a:r>
+              <a:rPr lang="en-US" dirty="0"/>
+              <a:t>Analysis of </a:t>
+            </a:r>
+            <a:r>
+              <a:rPr lang="en-US" b="1" dirty="0"/>
+              <a:t>number of investors</a:t>
+            </a:r>
+            <a:r>
+              <a:rPr lang="en-US" dirty="0"/>
+              <a:t> and </a:t>
+            </a:r>
+            <a:r>
+              <a:rPr lang="en-US" b="1" dirty="0"/>
+              <a:t>years since founding</a:t>
+            </a:r>
+            <a:r>
+              <a:rPr lang="en-US" dirty="0"/>
+              <a:t> on the valuation of the company.</a:t>
+            </a:r>
+          </a:p>
+          <a:p>
+            <a:r>
+              <a:rPr lang="en-US" dirty="0"/>
+              <a:t>Motivation for studying U.S. and China unicorns separately:</a:t>
+            </a:r>
+          </a:p>
+          <a:p>
+            <a:pPr lvl="1"/>
+            <a:r>
+              <a:rPr lang="en-US" dirty="0"/>
+              <a:t>The U.S. and China have different political and economic systems, which we would expect to impact startup valuations.</a:t>
+            </a:r>
+          </a:p>
+          <a:p>
+            <a:endParaRPr lang="en-US" dirty="0"/>
+          </a:p>
+          <a:p>
+            <a:pPr marL="393192" lvl="1" indent="0">
+              <a:buNone/>
+            </a:pPr>
+            <a:endParaRPr lang="en-US" dirty="0"/>
+          </a:p>
+        </p:txBody>
+      </p:sp>
+      <p:sp>
+        <p:nvSpPr>
+          <p:cNvPr id="5" name="TextBox 4">
+            <a:extLst>
+              <a:ext uri="{FF2B5EF4-FFF2-40B4-BE49-F238E27FC236}">
+                <a16:creationId xmlns:a16="http://schemas.microsoft.com/office/drawing/2014/main" xmlns="" id="{253BF112-4499-8ADC-3DE9-ABFE959B914D}"/>
+              </a:ext>
+            </a:extLst>
+          </p:cNvPr>
+          <p:cNvSpPr txBox="1"/>
+          <p:nvPr/>
+        </p:nvSpPr>
+        <p:spPr>
+          <a:xfrm>
+            <a:off x="-381000" y="4274165"/>
+            <a:ext cx="10058400" cy="2431435"/>
+          </a:xfrm>
+          <a:prstGeom prst="rect">
+            <a:avLst/>
+          </a:prstGeom>
+          <a:noFill/>
+        </p:spPr>
+        <p:txBody>
+          <a:bodyPr wrap="square" rtlCol="0">
+            <a:spAutoFit/>
+          </a:bodyPr>
+          <a:lstStyle/>
+          <a:p>
+            <a:pPr marL="393192" lvl="1" indent="0">
+              <a:buNone/>
+            </a:pPr>
+            <a:r>
+              <a:rPr lang="en-US" sz="1700" b="1" u="sng" dirty="0">
+                <a:latin typeface="Cambria Math" panose="02040503050406030204" pitchFamily="18" charset="0"/>
+                <a:ea typeface="Cambria Math" panose="02040503050406030204" pitchFamily="18" charset="0"/>
+              </a:rPr>
+              <a:t>All unicorns</a:t>
+            </a:r>
+          </a:p>
+          <a:p>
+            <a:pPr marL="393192" lvl="1" indent="0">
+              <a:buNone/>
+            </a:pPr>
+            <a:r>
+              <a:rPr lang="en-US" sz="1700" dirty="0">
+                <a:latin typeface="Cambria Math" panose="02040503050406030204" pitchFamily="18" charset="0"/>
+                <a:ea typeface="Cambria Math" panose="02040503050406030204" pitchFamily="18" charset="0"/>
+              </a:rPr>
+              <a:t>Valuation = $185 million * (# of investors) + $136 million * (years since founding) – $640 million</a:t>
+            </a:r>
+          </a:p>
+          <a:p>
+            <a:pPr marL="393192" lvl="1" indent="0">
+              <a:buNone/>
+            </a:pPr>
+            <a:endParaRPr lang="en-US" sz="1700" dirty="0">
+              <a:latin typeface="Cambria Math" panose="02040503050406030204" pitchFamily="18" charset="0"/>
+              <a:ea typeface="Cambria Math" panose="02040503050406030204" pitchFamily="18" charset="0"/>
+            </a:endParaRPr>
+          </a:p>
+          <a:p>
+            <a:pPr marL="393192" lvl="1" indent="0">
+              <a:buNone/>
+            </a:pPr>
+            <a:r>
+              <a:rPr lang="en-US" sz="1700" b="1" u="sng" dirty="0">
+                <a:latin typeface="Cambria Math" panose="02040503050406030204" pitchFamily="18" charset="0"/>
+                <a:ea typeface="Cambria Math" panose="02040503050406030204" pitchFamily="18" charset="0"/>
+              </a:rPr>
+              <a:t>U.S. unicorns</a:t>
+            </a:r>
+          </a:p>
+          <a:p>
+            <a:pPr marL="393192" lvl="1" indent="0">
+              <a:buNone/>
+            </a:pPr>
+            <a:r>
+              <a:rPr lang="en-US" sz="1700" dirty="0">
+                <a:latin typeface="Cambria Math" panose="02040503050406030204" pitchFamily="18" charset="0"/>
+                <a:ea typeface="Cambria Math" panose="02040503050406030204" pitchFamily="18" charset="0"/>
+              </a:rPr>
+              <a:t>Valuation = $159 million * (# of investors) + $238 million * (years since founding) – $1.09 billion</a:t>
+            </a:r>
+          </a:p>
+          <a:p>
+            <a:pPr marL="393192" lvl="1" indent="0">
+              <a:buNone/>
+            </a:pPr>
+            <a:endParaRPr lang="en-US" sz="1700" dirty="0">
+              <a:latin typeface="Cambria Math" panose="02040503050406030204" pitchFamily="18" charset="0"/>
+              <a:ea typeface="Cambria Math" panose="02040503050406030204" pitchFamily="18" charset="0"/>
+            </a:endParaRPr>
+          </a:p>
+          <a:p>
+            <a:pPr marL="393192" lvl="1" indent="0">
+              <a:buNone/>
+            </a:pPr>
+            <a:r>
+              <a:rPr lang="en-US" sz="1700" b="1" u="sng" dirty="0">
+                <a:latin typeface="Cambria Math" panose="02040503050406030204" pitchFamily="18" charset="0"/>
+                <a:ea typeface="Cambria Math" panose="02040503050406030204" pitchFamily="18" charset="0"/>
+              </a:rPr>
+              <a:t>China unicorns</a:t>
+            </a:r>
+          </a:p>
+          <a:p>
+            <a:pPr marL="393192" lvl="1" indent="0">
+              <a:buNone/>
+            </a:pPr>
+            <a:r>
+              <a:rPr lang="en-US" sz="1700" dirty="0">
+                <a:latin typeface="Cambria Math" panose="02040503050406030204" pitchFamily="18" charset="0"/>
+                <a:ea typeface="Cambria Math" panose="02040503050406030204" pitchFamily="18" charset="0"/>
+              </a:rPr>
+              <a:t>Valuation = $234 million * (# of investors) + $170 million * (years since founding) – $1.17 billion</a:t>
+            </a:r>
+          </a:p>
+          <a:p>
+            <a:pPr marL="393192" lvl="1" indent="0">
+              <a:buNone/>
+            </a:pPr>
+            <a:endParaRPr lang="en-US" sz="1600" dirty="0">
+              <a:latin typeface="Cambria Math" panose="02040503050406030204" pitchFamily="18" charset="0"/>
+              <a:ea typeface="Cambria Math" panose="02040503050406030204" pitchFamily="18" charset="0"/>
+            </a:endParaRPr>
+          </a:p>
+        </p:txBody>
+      </p:sp>
+    </p:spTree>
+    <p:extLst>
+      <p:ext uri="{BB962C8B-B14F-4D97-AF65-F5344CB8AC3E}">
+        <p14:creationId xmlns:p14="http://schemas.microsoft.com/office/powerpoint/2010/main" val="2005226987"/>
+      </p:ext>
+    </p:extLst>
+  </p:cSld>
+  <p:clrMapOvr>
+    <a:masterClrMapping/>
+  </p:clrMapOvr>
+  <p:timing>
+    <p:tnLst>
+      <p:par>
+        <p:cTn id="1" dur="indefinite" restart="never" nodeType="tmRoot"/>
+      </p:par>
+    </p:tnLst>
+  </p:timing>
+</p:sld>
+</file>
+
+<file path=ppt/slides/slide15.xml><?xml version="1.0" encoding="utf-8"?>
+<p:sld xmlns:a="http://schemas.openxmlformats.org/drawingml/2006/main" xmlns:r="http://schemas.openxmlformats.org/officeDocument/2006/relationships" xmlns:p="http://schemas.openxmlformats.org/presentationml/2006/main">
+  <p:cSld>
+    <p:spTree>
+      <p:nvGrpSpPr>
+        <p:cNvPr id="1" name=""/>
+        <p:cNvGrpSpPr/>
+        <p:nvPr/>
+      </p:nvGrpSpPr>
+      <p:grpSpPr>
+        <a:xfrm>
+          <a:off x="0" y="0"/>
+          <a:ext cx="0" cy="0"/>
+          <a:chOff x="0" y="0"/>
+          <a:chExt cx="0" cy="0"/>
+        </a:xfrm>
+      </p:grpSpPr>
+      <p:sp>
+        <p:nvSpPr>
+          <p:cNvPr id="2" name="Title 1"/>
+          <p:cNvSpPr>
+            <a:spLocks noGrp="1"/>
+          </p:cNvSpPr>
+          <p:nvPr>
+            <p:ph type="title"/>
+          </p:nvPr>
+        </p:nvSpPr>
+        <p:spPr/>
+        <p:txBody>
+          <a:bodyPr/>
+          <a:lstStyle/>
+          <a:p>
+            <a:r>
+              <a:rPr lang="en-US" dirty="0"/>
+              <a:t>The top 20 unicorn investors</a:t>
+            </a:r>
+          </a:p>
+        </p:txBody>
+      </p:sp>
+      <p:pic>
+        <p:nvPicPr>
+          <p:cNvPr id="5" name="Content Placeholder 4"/>
+          <p:cNvPicPr>
+            <a:picLocks noGrp="1" noChangeAspect="1"/>
+          </p:cNvPicPr>
+          <p:nvPr>
+            <p:ph idx="1"/>
+          </p:nvPr>
+        </p:nvPicPr>
+        <p:blipFill>
+          <a:blip r:embed="rId2" cstate="print">
+            <a:extLst>
+              <a:ext uri="{28A0092B-C50C-407E-A947-70E740481C1C}">
+                <a14:useLocalDpi xmlns:a14="http://schemas.microsoft.com/office/drawing/2010/main" val="0"/>
+              </a:ext>
+            </a:extLst>
+          </a:blip>
+          <a:stretch>
+            <a:fillRect/>
+          </a:stretch>
+        </p:blipFill>
+        <p:spPr>
+          <a:xfrm>
+            <a:off x="50333" y="2209800"/>
+            <a:ext cx="9093667" cy="3657600"/>
+          </a:xfrm>
+        </p:spPr>
+      </p:pic>
+    </p:spTree>
+    <p:extLst>
+      <p:ext uri="{BB962C8B-B14F-4D97-AF65-F5344CB8AC3E}">
+        <p14:creationId xmlns:p14="http://schemas.microsoft.com/office/powerpoint/2010/main" val="2650188092"/>
+      </p:ext>
+    </p:extLst>
+  </p:cSld>
+  <p:clrMapOvr>
+    <a:masterClrMapping/>
+  </p:clrMapOvr>
+  <p:timing>
+    <p:tnLst>
+      <p:par>
+        <p:cTn id="1" dur="indefinite" restart="never" nodeType="tmRoot"/>
+      </p:par>
+    </p:tnLst>
+  </p:timing>
+</p:sld>
+</file>
+
+<file path=ppt/slides/slide16.xml><?xml version="1.0" encoding="utf-8"?>
+<p:sld xmlns:a="http://schemas.openxmlformats.org/drawingml/2006/main" xmlns:r="http://schemas.openxmlformats.org/officeDocument/2006/relationships" xmlns:p="http://schemas.openxmlformats.org/presentationml/2006/main">
+  <p:cSld>
+    <p:spTree>
+      <p:nvGrpSpPr>
+        <p:cNvPr id="1" name=""/>
+        <p:cNvGrpSpPr/>
+        <p:nvPr/>
+      </p:nvGrpSpPr>
+      <p:grpSpPr>
+        <a:xfrm>
+          <a:off x="0" y="0"/>
+          <a:ext cx="0" cy="0"/>
+          <a:chOff x="0" y="0"/>
+          <a:chExt cx="0" cy="0"/>
+        </a:xfrm>
+      </p:grpSpPr>
+      <p:sp>
+        <p:nvSpPr>
+          <p:cNvPr id="2" name="Title 1"/>
+          <p:cNvSpPr>
+            <a:spLocks noGrp="1"/>
+          </p:cNvSpPr>
+          <p:nvPr>
+            <p:ph type="title"/>
+          </p:nvPr>
+        </p:nvSpPr>
+        <p:spPr/>
+        <p:txBody>
+          <a:bodyPr/>
+          <a:lstStyle/>
+          <a:p>
+            <a:r>
+              <a:rPr lang="en-US" dirty="0"/>
+              <a:t>The top 20 unicorn investors</a:t>
+            </a:r>
+          </a:p>
+        </p:txBody>
+      </p:sp>
+      <p:pic>
+        <p:nvPicPr>
+          <p:cNvPr id="5" name="Content Placeholder 4"/>
+          <p:cNvPicPr>
+            <a:picLocks noGrp="1" noChangeAspect="1"/>
+          </p:cNvPicPr>
+          <p:nvPr>
+            <p:ph idx="1"/>
+          </p:nvPr>
+        </p:nvPicPr>
+        <p:blipFill>
+          <a:blip r:embed="rId2" cstate="print">
+            <a:extLst>
+              <a:ext uri="{28A0092B-C50C-407E-A947-70E740481C1C}">
+                <a14:useLocalDpi xmlns:a14="http://schemas.microsoft.com/office/drawing/2010/main" val="0"/>
+              </a:ext>
+            </a:extLst>
+          </a:blip>
+          <a:stretch>
+            <a:fillRect/>
+          </a:stretch>
+        </p:blipFill>
+        <p:spPr>
+          <a:xfrm>
+            <a:off x="50333" y="2209800"/>
+            <a:ext cx="9093667" cy="3657600"/>
+          </a:xfrm>
+        </p:spPr>
+      </p:pic>
+      <p:sp>
+        <p:nvSpPr>
+          <p:cNvPr id="3" name="Rectangle 2"/>
+          <p:cNvSpPr/>
+          <p:nvPr/>
+        </p:nvSpPr>
+        <p:spPr>
+          <a:xfrm>
+            <a:off x="838200" y="5943600"/>
+            <a:ext cx="7467600" cy="304800"/>
+          </a:xfrm>
+          <a:prstGeom prst="rect">
+            <a:avLst/>
+          </a:prstGeom>
+          <a:solidFill>
+            <a:schemeClr val="tx2">
+              <a:lumMod val="75000"/>
+            </a:schemeClr>
+          </a:solidFill>
+        </p:spPr>
+        <p:style>
+          <a:lnRef idx="2">
+            <a:schemeClr val="accent1">
+              <a:shade val="50000"/>
+            </a:schemeClr>
+          </a:lnRef>
+          <a:fillRef idx="1">
+            <a:schemeClr val="accent1"/>
+          </a:fillRef>
+          <a:effectRef idx="0">
+            <a:schemeClr val="accent1"/>
+          </a:effectRef>
+          <a:fontRef idx="minor">
+            <a:schemeClr val="lt1"/>
+          </a:fontRef>
+        </p:style>
+        <p:txBody>
+          <a:bodyPr rtlCol="0" anchor="ctr"/>
+          <a:lstStyle/>
+          <a:p>
+            <a:pPr algn="ctr"/>
+            <a:r>
+              <a:rPr lang="en-US" dirty="0"/>
+              <a:t>Total number of investors = </a:t>
+            </a:r>
+            <a:r>
+              <a:rPr lang="en-US" dirty="0" smtClean="0"/>
+              <a:t>1231</a:t>
+            </a:r>
+          </a:p>
+        </p:txBody>
+      </p:sp>
+      <p:sp>
+        <p:nvSpPr>
+          <p:cNvPr id="4" name="Rectangle 3"/>
+          <p:cNvSpPr/>
+          <p:nvPr/>
+        </p:nvSpPr>
+        <p:spPr>
+          <a:xfrm>
+            <a:off x="838200" y="6324600"/>
+            <a:ext cx="7467600" cy="304800"/>
+          </a:xfrm>
+          <a:prstGeom prst="rect">
+            <a:avLst/>
+          </a:prstGeom>
+          <a:solidFill>
+            <a:schemeClr val="accent6">
+              <a:lumMod val="75000"/>
+            </a:schemeClr>
+          </a:solidFill>
+        </p:spPr>
+        <p:style>
+          <a:lnRef idx="2">
+            <a:schemeClr val="accent6">
+              <a:shade val="50000"/>
+            </a:schemeClr>
+          </a:lnRef>
+          <a:fillRef idx="1">
+            <a:schemeClr val="accent6"/>
+          </a:fillRef>
+          <a:effectRef idx="0">
+            <a:schemeClr val="accent6"/>
+          </a:effectRef>
+          <a:fontRef idx="minor">
+            <a:schemeClr val="lt1"/>
+          </a:fontRef>
+        </p:style>
+        <p:txBody>
+          <a:bodyPr rtlCol="0" anchor="ctr"/>
+          <a:lstStyle/>
+          <a:p>
+            <a:pPr algn="ctr"/>
+            <a:r>
+              <a:rPr lang="en-US" dirty="0"/>
+              <a:t>828 investors (67% of all investors) have only invested in one unicorn</a:t>
+            </a:r>
+            <a:endParaRPr lang="en-US" dirty="0"/>
+          </a:p>
+        </p:txBody>
+      </p:sp>
+    </p:spTree>
+    <p:extLst>
+      <p:ext uri="{BB962C8B-B14F-4D97-AF65-F5344CB8AC3E}">
+        <p14:creationId xmlns:p14="http://schemas.microsoft.com/office/powerpoint/2010/main" val="1740471904"/>
+      </p:ext>
+    </p:extLst>
+  </p:cSld>
+  <p:clrMapOvr>
+    <a:masterClrMapping/>
+  </p:clrMapOvr>
+  <p:timing>
+    <p:tnLst>
+      <p:par>
+        <p:cTn id="1" dur="indefinite" restart="never" nodeType="tmRoot"/>
+      </p:par>
+    </p:tnLst>
+  </p:timing>
+</p:sld>
+</file>
+
+<file path=ppt/slides/slide17.xml><?xml version="1.0" encoding="utf-8"?>
+<p:sld xmlns:a="http://schemas.openxmlformats.org/drawingml/2006/main" xmlns:r="http://schemas.openxmlformats.org/officeDocument/2006/relationships" xmlns:p="http://schemas.openxmlformats.org/presentationml/2006/main">
+  <p:cSld>
+    <p:spTree>
+      <p:nvGrpSpPr>
+        <p:cNvPr id="1" name=""/>
+        <p:cNvGrpSpPr/>
+        <p:nvPr/>
+      </p:nvGrpSpPr>
+      <p:grpSpPr>
+        <a:xfrm>
+          <a:off x="0" y="0"/>
+          <a:ext cx="0" cy="0"/>
+          <a:chOff x="0" y="0"/>
+          <a:chExt cx="0" cy="0"/>
+        </a:xfrm>
+      </p:grpSpPr>
+      <p:sp>
+        <p:nvSpPr>
+          <p:cNvPr id="2" name="Title 1"/>
+          <p:cNvSpPr>
+            <a:spLocks noGrp="1"/>
+          </p:cNvSpPr>
+          <p:nvPr>
+            <p:ph type="title"/>
+          </p:nvPr>
+        </p:nvSpPr>
+        <p:spPr/>
+        <p:txBody>
+          <a:bodyPr>
+            <a:noAutofit/>
+          </a:bodyPr>
+          <a:lstStyle/>
+          <a:p>
+            <a:r>
+              <a:rPr lang="en-US" sz="3200" dirty="0"/>
+              <a:t>To what degree do groups of investors invest in the same companies?</a:t>
+            </a:r>
+          </a:p>
+        </p:txBody>
+      </p:sp>
+      <p:sp>
+        <p:nvSpPr>
+          <p:cNvPr id="3" name="Content Placeholder 2"/>
+          <p:cNvSpPr>
+            <a:spLocks noGrp="1"/>
+          </p:cNvSpPr>
+          <p:nvPr>
+            <p:ph idx="1"/>
+          </p:nvPr>
+        </p:nvSpPr>
+        <p:spPr/>
+        <p:txBody>
+          <a:bodyPr/>
+          <a:lstStyle/>
+          <a:p>
+            <a:r>
+              <a:rPr lang="en-US" dirty="0"/>
+              <a:t>Motivation:</a:t>
+            </a:r>
+          </a:p>
+          <a:p>
+            <a:pPr lvl="1"/>
+            <a:r>
+              <a:rPr lang="en-US" dirty="0"/>
+              <a:t>If an entrepreneur gets one investor what other investors are they likely to get as well?</a:t>
+            </a:r>
+          </a:p>
+          <a:p>
+            <a:pPr lvl="1"/>
+            <a:endParaRPr lang="en-US" dirty="0"/>
+          </a:p>
+          <a:p>
+            <a:r>
+              <a:rPr lang="en-US" dirty="0"/>
+              <a:t>n-Tuple</a:t>
+            </a:r>
+          </a:p>
+          <a:p>
+            <a:pPr lvl="1"/>
+            <a:r>
+              <a:rPr lang="en-US" dirty="0"/>
+              <a:t>(Investor</a:t>
+            </a:r>
+            <a:r>
+              <a:rPr lang="en-US" baseline="-25000" dirty="0"/>
+              <a:t>1</a:t>
+            </a:r>
+            <a:r>
+              <a:rPr lang="en-US" dirty="0"/>
+              <a:t>, Investor</a:t>
+            </a:r>
+            <a:r>
+              <a:rPr lang="en-US" baseline="-25000" dirty="0"/>
+              <a:t>2</a:t>
+            </a:r>
+            <a:r>
+              <a:rPr lang="en-US" dirty="0"/>
+              <a:t>,…, </a:t>
+            </a:r>
+            <a:r>
+              <a:rPr lang="en-US" dirty="0" err="1"/>
+              <a:t>Investor</a:t>
+            </a:r>
+            <a:r>
+              <a:rPr lang="en-US" baseline="-25000" dirty="0" err="1"/>
+              <a:t>n</a:t>
+            </a:r>
+            <a:r>
+              <a:rPr lang="en-US" dirty="0"/>
+              <a:t>)</a:t>
+            </a:r>
+          </a:p>
+          <a:p>
+            <a:pPr lvl="1"/>
+            <a:r>
+              <a:rPr lang="en-US" dirty="0"/>
+              <a:t>Number of unicorn companies they invested together.</a:t>
+            </a:r>
+          </a:p>
+          <a:p>
+            <a:pPr lvl="1"/>
+            <a:endParaRPr lang="en-US" dirty="0"/>
+          </a:p>
+        </p:txBody>
+      </p:sp>
+    </p:spTree>
+    <p:extLst>
+      <p:ext uri="{BB962C8B-B14F-4D97-AF65-F5344CB8AC3E}">
+        <p14:creationId xmlns:p14="http://schemas.microsoft.com/office/powerpoint/2010/main" val="426947172"/>
+      </p:ext>
+    </p:extLst>
+  </p:cSld>
+  <p:clrMapOvr>
+    <a:masterClrMapping/>
+  </p:clrMapOvr>
+  <p:timing>
+    <p:tnLst>
+      <p:par>
+        <p:cTn id="1" dur="indefinite" restart="never" nodeType="tmRoot"/>
+      </p:par>
+    </p:tnLst>
+  </p:timing>
+</p:sld>
+</file>
+
+<file path=ppt/slides/slide18.xml><?xml version="1.0" encoding="utf-8"?>
+<p:sld xmlns:a="http://schemas.openxmlformats.org/drawingml/2006/main" xmlns:r="http://schemas.openxmlformats.org/officeDocument/2006/relationships" xmlns:p="http://schemas.openxmlformats.org/presentationml/2006/main">
+  <p:cSld>
+    <p:spTree>
+      <p:nvGrpSpPr>
+        <p:cNvPr id="1" name=""/>
+        <p:cNvGrpSpPr/>
+        <p:nvPr/>
+      </p:nvGrpSpPr>
+      <p:grpSpPr>
+        <a:xfrm>
+          <a:off x="0" y="0"/>
+          <a:ext cx="0" cy="0"/>
+          <a:chOff x="0" y="0"/>
+          <a:chExt cx="0" cy="0"/>
+        </a:xfrm>
+      </p:grpSpPr>
+      <p:sp>
+        <p:nvSpPr>
+          <p:cNvPr id="2" name="Title 1"/>
+          <p:cNvSpPr>
+            <a:spLocks noGrp="1"/>
+          </p:cNvSpPr>
+          <p:nvPr>
+            <p:ph type="title"/>
+          </p:nvPr>
+        </p:nvSpPr>
+        <p:spPr/>
+        <p:txBody>
+          <a:bodyPr/>
+          <a:lstStyle/>
+          <a:p>
+            <a:r>
+              <a:rPr lang="en-US" dirty="0"/>
+              <a:t>Investor analysis (2-tuple)</a:t>
+            </a:r>
+          </a:p>
+        </p:txBody>
+      </p:sp>
+      <p:pic>
+        <p:nvPicPr>
+          <p:cNvPr id="5" name="Content Placeholder 4"/>
+          <p:cNvPicPr>
+            <a:picLocks noGrp="1" noChangeAspect="1"/>
+          </p:cNvPicPr>
+          <p:nvPr>
+            <p:ph idx="1"/>
+          </p:nvPr>
+        </p:nvPicPr>
+        <p:blipFill>
+          <a:blip r:embed="rId2" cstate="print">
+            <a:extLst>
+              <a:ext uri="{28A0092B-C50C-407E-A947-70E740481C1C}">
+                <a14:useLocalDpi xmlns:a14="http://schemas.microsoft.com/office/drawing/2010/main" val="0"/>
+              </a:ext>
+            </a:extLst>
+          </a:blip>
+          <a:stretch>
+            <a:fillRect/>
+          </a:stretch>
+        </p:blipFill>
+        <p:spPr>
+          <a:xfrm>
+            <a:off x="110860" y="2133600"/>
+            <a:ext cx="8880740" cy="3886200"/>
+          </a:xfrm>
+        </p:spPr>
+      </p:pic>
+    </p:spTree>
+    <p:extLst>
+      <p:ext uri="{BB962C8B-B14F-4D97-AF65-F5344CB8AC3E}">
+        <p14:creationId xmlns:p14="http://schemas.microsoft.com/office/powerpoint/2010/main" val="2070040143"/>
+      </p:ext>
+    </p:extLst>
+  </p:cSld>
+  <p:clrMapOvr>
+    <a:masterClrMapping/>
+  </p:clrMapOvr>
+  <p:timing>
+    <p:tnLst>
+      <p:par>
+        <p:cTn id="1" dur="indefinite" restart="never" nodeType="tmRoot"/>
+      </p:par>
+    </p:tnLst>
+  </p:timing>
+</p:sld>
+</file>
+
+<file path=ppt/slides/slide19.xml><?xml version="1.0" encoding="utf-8"?>
+<p:sld xmlns:a="http://schemas.openxmlformats.org/drawingml/2006/main" xmlns:r="http://schemas.openxmlformats.org/officeDocument/2006/relationships" xmlns:p="http://schemas.openxmlformats.org/presentationml/2006/main">
+  <p:cSld>
+    <p:spTree>
+      <p:nvGrpSpPr>
+        <p:cNvPr id="1" name=""/>
+        <p:cNvGrpSpPr/>
+        <p:nvPr/>
+      </p:nvGrpSpPr>
+      <p:grpSpPr>
+        <a:xfrm>
+          <a:off x="0" y="0"/>
+          <a:ext cx="0" cy="0"/>
+          <a:chOff x="0" y="0"/>
+          <a:chExt cx="0" cy="0"/>
+        </a:xfrm>
+      </p:grpSpPr>
+      <p:sp>
+        <p:nvSpPr>
+          <p:cNvPr id="2" name="Title 1"/>
+          <p:cNvSpPr>
+            <a:spLocks noGrp="1"/>
+          </p:cNvSpPr>
+          <p:nvPr>
+            <p:ph type="title"/>
+          </p:nvPr>
+        </p:nvSpPr>
+        <p:spPr/>
+        <p:txBody>
+          <a:bodyPr>
+            <a:normAutofit fontScale="90000"/>
+          </a:bodyPr>
+          <a:lstStyle/>
+          <a:p>
+            <a:r>
+              <a:rPr lang="en-US" dirty="0"/>
+              <a:t>Investor analysis (2-tuple) for Accel</a:t>
+            </a:r>
+          </a:p>
+        </p:txBody>
+      </p:sp>
+      <p:pic>
+        <p:nvPicPr>
+          <p:cNvPr id="4" name="Content Placeholder 3"/>
+          <p:cNvPicPr>
+            <a:picLocks noGrp="1" noChangeAspect="1"/>
+          </p:cNvPicPr>
+          <p:nvPr>
+            <p:ph idx="1"/>
+          </p:nvPr>
+        </p:nvPicPr>
+        <p:blipFill>
+          <a:blip r:embed="rId2" cstate="print">
+            <a:extLst>
+              <a:ext uri="{28A0092B-C50C-407E-A947-70E740481C1C}">
+                <a14:useLocalDpi xmlns:a14="http://schemas.microsoft.com/office/drawing/2010/main" val="0"/>
+              </a:ext>
+            </a:extLst>
+          </a:blip>
+          <a:stretch>
+            <a:fillRect/>
+          </a:stretch>
+        </p:blipFill>
+        <p:spPr>
+          <a:xfrm>
+            <a:off x="76200" y="2057400"/>
+            <a:ext cx="8972408" cy="4419600"/>
+          </a:xfrm>
+        </p:spPr>
+      </p:pic>
+    </p:spTree>
+    <p:extLst>
+      <p:ext uri="{BB962C8B-B14F-4D97-AF65-F5344CB8AC3E}">
+        <p14:creationId xmlns:p14="http://schemas.microsoft.com/office/powerpoint/2010/main" val="3057874676"/>
       </p:ext>
     </p:extLst>
   </p:cSld>
@@ -4417,63 +5492,40 @@
         </p:nvSpPr>
         <p:spPr/>
         <p:txBody>
-          <a:bodyPr/>
-          <a:lstStyle/>
-          <a:p>
-            <a:r>
-              <a:rPr lang="en-US" dirty="0"/>
-              <a:t>Coined in 2013 by venture capitalist Aileen Lee.</a:t>
-            </a:r>
-          </a:p>
-          <a:p>
-            <a:endParaRPr lang="en-US" dirty="0" smtClean="0"/>
+          <a:bodyPr>
+            <a:normAutofit/>
+          </a:bodyPr>
+          <a:lstStyle/>
+          <a:p>
+            <a:r>
+              <a:rPr lang="en-US" dirty="0"/>
+              <a:t>“Unicorn startup” refers to a private company valued at or over $1 billion </a:t>
+            </a:r>
+          </a:p>
+          <a:p>
+            <a:endParaRPr lang="en-US" dirty="0"/>
           </a:p>
           <a:p>
             <a:r>
               <a:rPr lang="en-US" dirty="0" smtClean="0"/>
-              <a:t>“</a:t>
-            </a:r>
-            <a:r>
-              <a:rPr lang="en-US" dirty="0"/>
-              <a:t>U</a:t>
-            </a:r>
-            <a:r>
-              <a:rPr lang="en-US" dirty="0" smtClean="0"/>
-              <a:t>nicorn </a:t>
-            </a:r>
-            <a:r>
-              <a:rPr lang="en-US" dirty="0"/>
-              <a:t>startup” refers to a private company valued at or over $1 billion </a:t>
-            </a:r>
-            <a:endParaRPr lang="en-US" dirty="0" smtClean="0"/>
-          </a:p>
-          <a:p>
-            <a:endParaRPr lang="en-US" dirty="0" smtClean="0"/>
-          </a:p>
-          <a:p>
-            <a:r>
-              <a:rPr lang="en-US" dirty="0" smtClean="0"/>
-              <a:t>When </a:t>
-            </a:r>
-            <a:r>
-              <a:rPr lang="en-US" dirty="0"/>
-              <a:t>Lee did her first count, there were </a:t>
-            </a:r>
-            <a:r>
-              <a:rPr lang="en-US" dirty="0" smtClean="0"/>
-              <a:t>very few </a:t>
-            </a:r>
-            <a:r>
-              <a:rPr lang="en-US" dirty="0"/>
-              <a:t>unicorns</a:t>
-            </a:r>
-            <a:r>
-              <a:rPr lang="en-US" dirty="0" smtClean="0"/>
-              <a:t>.</a:t>
-            </a:r>
-          </a:p>
-          <a:p>
-            <a:endParaRPr lang="en-US" dirty="0" smtClean="0"/>
+              <a:t>The </a:t>
+            </a:r>
+            <a:r>
+              <a:rPr lang="en-US" dirty="0"/>
+              <a:t>term “unicorn startup” (often shortened to just “unicorn”)  was coined in 2013 by venture capitalist Aileen Lee.</a:t>
+            </a:r>
+          </a:p>
+          <a:p>
+            <a:endParaRPr lang="en-US" dirty="0"/>
+          </a:p>
+          <a:p>
+            <a:r>
+              <a:rPr lang="en-US" dirty="0"/>
+              <a:t>When Lee coined the term, there were 39 unicorns.</a:t>
+            </a:r>
+          </a:p>
+          <a:p>
+            <a:endParaRPr lang="en-US" dirty="0"/>
           </a:p>
         </p:txBody>
       </p:sp>
@@ -4487,13 +5539,228 @@
   <p:clrMapOvr>
     <a:masterClrMapping/>
   </p:clrMapOvr>
-  <p:timing>
-    <p:tnLst>
-      <p:par>
-        <p:cTn id="1" dur="indefinite" restart="never" nodeType="tmRoot"/>
-      </p:par>
-    </p:tnLst>
-  </p:timing>
+</p:sld>
+</file>
+
+<file path=ppt/slides/slide20.xml><?xml version="1.0" encoding="utf-8"?>
+<p:sld xmlns:a="http://schemas.openxmlformats.org/drawingml/2006/main" xmlns:r="http://schemas.openxmlformats.org/officeDocument/2006/relationships" xmlns:p="http://schemas.openxmlformats.org/presentationml/2006/main">
+  <p:cSld>
+    <p:spTree>
+      <p:nvGrpSpPr>
+        <p:cNvPr id="1" name=""/>
+        <p:cNvGrpSpPr/>
+        <p:nvPr/>
+      </p:nvGrpSpPr>
+      <p:grpSpPr>
+        <a:xfrm>
+          <a:off x="0" y="0"/>
+          <a:ext cx="0" cy="0"/>
+          <a:chOff x="0" y="0"/>
+          <a:chExt cx="0" cy="0"/>
+        </a:xfrm>
+      </p:grpSpPr>
+      <p:sp>
+        <p:nvSpPr>
+          <p:cNvPr id="2" name="Title 1">
+            <a:extLst>
+              <a:ext uri="{FF2B5EF4-FFF2-40B4-BE49-F238E27FC236}">
+                <a16:creationId xmlns:a16="http://schemas.microsoft.com/office/drawing/2014/main" xmlns="" id="{D3B862E0-2737-EA62-8C3F-24BB8B81335D}"/>
+              </a:ext>
+            </a:extLst>
+          </p:cNvPr>
+          <p:cNvSpPr>
+            <a:spLocks noGrp="1"/>
+          </p:cNvSpPr>
+          <p:nvPr>
+            <p:ph type="title"/>
+          </p:nvPr>
+        </p:nvSpPr>
+        <p:spPr/>
+        <p:txBody>
+          <a:bodyPr/>
+          <a:lstStyle/>
+          <a:p>
+            <a:r>
+              <a:rPr lang="en-US" dirty="0"/>
+              <a:t>Investor analysis (3-tuple)</a:t>
+            </a:r>
+          </a:p>
+        </p:txBody>
+      </p:sp>
+      <p:pic>
+        <p:nvPicPr>
+          <p:cNvPr id="4" name="Content Placeholder 3"/>
+          <p:cNvPicPr>
+            <a:picLocks noGrp="1" noChangeAspect="1"/>
+          </p:cNvPicPr>
+          <p:nvPr>
+            <p:ph idx="1"/>
+          </p:nvPr>
+        </p:nvPicPr>
+        <p:blipFill>
+          <a:blip r:embed="rId2" cstate="print">
+            <a:extLst>
+              <a:ext uri="{28A0092B-C50C-407E-A947-70E740481C1C}">
+                <a14:useLocalDpi xmlns:a14="http://schemas.microsoft.com/office/drawing/2010/main" val="0"/>
+              </a:ext>
+            </a:extLst>
+          </a:blip>
+          <a:stretch>
+            <a:fillRect/>
+          </a:stretch>
+        </p:blipFill>
+        <p:spPr>
+          <a:xfrm>
+            <a:off x="76199" y="2209800"/>
+            <a:ext cx="8994597" cy="3886200"/>
+          </a:xfrm>
+        </p:spPr>
+      </p:pic>
+    </p:spTree>
+    <p:extLst>
+      <p:ext uri="{BB962C8B-B14F-4D97-AF65-F5344CB8AC3E}">
+        <p14:creationId xmlns:p14="http://schemas.microsoft.com/office/powerpoint/2010/main" val="2703221696"/>
+      </p:ext>
+    </p:extLst>
+  </p:cSld>
+  <p:clrMapOvr>
+    <a:masterClrMapping/>
+  </p:clrMapOvr>
+</p:sld>
+</file>
+
+<file path=ppt/slides/slide21.xml><?xml version="1.0" encoding="utf-8"?>
+<p:sld xmlns:a="http://schemas.openxmlformats.org/drawingml/2006/main" xmlns:r="http://schemas.openxmlformats.org/officeDocument/2006/relationships" xmlns:p="http://schemas.openxmlformats.org/presentationml/2006/main">
+  <p:cSld>
+    <p:spTree>
+      <p:nvGrpSpPr>
+        <p:cNvPr id="1" name=""/>
+        <p:cNvGrpSpPr/>
+        <p:nvPr/>
+      </p:nvGrpSpPr>
+      <p:grpSpPr>
+        <a:xfrm>
+          <a:off x="0" y="0"/>
+          <a:ext cx="0" cy="0"/>
+          <a:chOff x="0" y="0"/>
+          <a:chExt cx="0" cy="0"/>
+        </a:xfrm>
+      </p:grpSpPr>
+      <p:sp>
+        <p:nvSpPr>
+          <p:cNvPr id="2" name="Title 1">
+            <a:extLst>
+              <a:ext uri="{FF2B5EF4-FFF2-40B4-BE49-F238E27FC236}">
+                <a16:creationId xmlns:a16="http://schemas.microsoft.com/office/drawing/2014/main" xmlns="" id="{C590C8C5-A997-CF0A-F5F9-F3A67E576895}"/>
+              </a:ext>
+            </a:extLst>
+          </p:cNvPr>
+          <p:cNvSpPr>
+            <a:spLocks noGrp="1"/>
+          </p:cNvSpPr>
+          <p:nvPr>
+            <p:ph type="title"/>
+          </p:nvPr>
+        </p:nvSpPr>
+        <p:spPr/>
+        <p:txBody>
+          <a:bodyPr/>
+          <a:lstStyle/>
+          <a:p>
+            <a:r>
+              <a:rPr lang="en-US" dirty="0"/>
+              <a:t>Key conclusions &amp; future work</a:t>
+            </a:r>
+          </a:p>
+        </p:txBody>
+      </p:sp>
+      <p:sp>
+        <p:nvSpPr>
+          <p:cNvPr id="3" name="Content Placeholder 2">
+            <a:extLst>
+              <a:ext uri="{FF2B5EF4-FFF2-40B4-BE49-F238E27FC236}">
+                <a16:creationId xmlns:a16="http://schemas.microsoft.com/office/drawing/2014/main" xmlns="" id="{0A8C3B3C-EF0D-738E-D324-A8E554DBDA25}"/>
+              </a:ext>
+            </a:extLst>
+          </p:cNvPr>
+          <p:cNvSpPr>
+            <a:spLocks noGrp="1"/>
+          </p:cNvSpPr>
+          <p:nvPr>
+            <p:ph idx="1"/>
+          </p:nvPr>
+        </p:nvSpPr>
+        <p:spPr/>
+        <p:txBody>
+          <a:bodyPr/>
+          <a:lstStyle/>
+          <a:p>
+            <a:r>
+              <a:rPr lang="en-US" dirty="0"/>
+              <a:t>Key conclusions</a:t>
+            </a:r>
+          </a:p>
+          <a:p>
+            <a:pPr lvl="1"/>
+            <a:r>
+              <a:rPr lang="en-US" dirty="0"/>
+              <a:t>The most important factor for predicting valuation depends upon the country</a:t>
+            </a:r>
+          </a:p>
+          <a:p>
+            <a:pPr lvl="2"/>
+            <a:r>
+              <a:rPr lang="en-US" dirty="0"/>
+              <a:t>USA: years since founding</a:t>
+            </a:r>
+          </a:p>
+          <a:p>
+            <a:pPr lvl="2"/>
+            <a:r>
+              <a:rPr lang="en-US" dirty="0"/>
+              <a:t>China: number of investors</a:t>
+            </a:r>
+          </a:p>
+          <a:p>
+            <a:pPr lvl="1"/>
+            <a:r>
+              <a:rPr lang="en-US" dirty="0"/>
+              <a:t>Unicorn company CEO’s should use 2-tuple analysis to find their next investor </a:t>
+            </a:r>
+          </a:p>
+          <a:p>
+            <a:r>
+              <a:rPr lang="en-US" dirty="0"/>
+              <a:t>Future work:</a:t>
+            </a:r>
+          </a:p>
+          <a:p>
+            <a:pPr lvl="1"/>
+            <a:r>
+              <a:rPr lang="en-US" dirty="0"/>
+              <a:t>Extend analysis to high value (over $100 million) startups.</a:t>
+            </a:r>
+          </a:p>
+          <a:p>
+            <a:pPr lvl="1"/>
+            <a:endParaRPr lang="en-US" dirty="0"/>
+          </a:p>
+          <a:p>
+            <a:pPr lvl="1"/>
+            <a:endParaRPr lang="en-US" dirty="0"/>
+          </a:p>
+        </p:txBody>
+      </p:sp>
+    </p:spTree>
+    <p:extLst>
+      <p:ext uri="{BB962C8B-B14F-4D97-AF65-F5344CB8AC3E}">
+        <p14:creationId xmlns:p14="http://schemas.microsoft.com/office/powerpoint/2010/main" val="1185233343"/>
+      </p:ext>
+    </p:extLst>
+  </p:cSld>
+  <p:clrMapOvr>
+    <a:masterClrMapping/>
+  </p:clrMapOvr>
 </p:sld>
 </file>
 
@@ -4530,10 +5797,9 @@
           <a:lstStyle/>
           <a:p>
             <a:r>
-              <a:rPr lang="en-US" dirty="0" smtClean="0"/>
+              <a:rPr lang="en-US" dirty="0"/>
               <a:t>Motivation</a:t>
             </a:r>
-            <a:endParaRPr lang="en-US" dirty="0"/>
           </a:p>
         </p:txBody>
       </p:sp>
@@ -4553,68 +5819,50 @@
           <a:lstStyle/>
           <a:p>
             <a:r>
-              <a:rPr lang="en-US" dirty="0" smtClean="0"/>
+              <a:rPr lang="en-US" dirty="0"/>
               <a:t>According to Get2Growth:</a:t>
             </a:r>
           </a:p>
           <a:p>
             <a:pPr lvl="1"/>
             <a:r>
-              <a:rPr lang="en-US" dirty="0" smtClean="0"/>
-              <a:t> About </a:t>
-            </a:r>
-            <a:r>
-              <a:rPr lang="en-US" dirty="0"/>
-              <a:t>305 million startups are created annually.</a:t>
+              <a:rPr lang="en-US" dirty="0"/>
+              <a:t> About 305 million startups are created annually.</a:t>
             </a:r>
           </a:p>
           <a:p>
             <a:pPr lvl="1"/>
             <a:r>
-              <a:rPr lang="en-US" dirty="0" smtClean="0"/>
-              <a:t>About </a:t>
-            </a:r>
-            <a:r>
-              <a:rPr lang="en-US" dirty="0"/>
-              <a:t>472 million entrepreneurs in the world</a:t>
-            </a:r>
-            <a:r>
-              <a:rPr lang="en-US" dirty="0" smtClean="0"/>
-              <a:t>.</a:t>
-            </a:r>
-          </a:p>
-          <a:p>
-            <a:endParaRPr lang="en-US" dirty="0" smtClean="0"/>
-          </a:p>
-          <a:p>
-            <a:r>
-              <a:rPr lang="en-US" dirty="0" smtClean="0"/>
-              <a:t>According </a:t>
-            </a:r>
-            <a:r>
-              <a:rPr lang="en-US" dirty="0"/>
-              <a:t>to 2019 </a:t>
-            </a:r>
-            <a:r>
-              <a:rPr lang="en-US" dirty="0" err="1"/>
-              <a:t>Investopedia</a:t>
-            </a:r>
-            <a:r>
-              <a:rPr lang="en-US" dirty="0"/>
-              <a:t> </a:t>
-            </a:r>
-            <a:r>
-              <a:rPr lang="en-US" dirty="0" smtClean="0"/>
-              <a:t>statistics</a:t>
-            </a:r>
-            <a:r>
-              <a:rPr lang="en-US" dirty="0"/>
-              <a:t>, about 90% of newly created startups </a:t>
-            </a:r>
-            <a:r>
-              <a:rPr lang="en-US" dirty="0" smtClean="0"/>
-              <a:t>do not succeed. </a:t>
-            </a:r>
+              <a:rPr lang="en-US" dirty="0"/>
+              <a:t>About 472 million entrepreneurs in the world.</a:t>
+            </a:r>
+          </a:p>
+          <a:p>
+            <a:r>
+              <a:rPr lang="en-US" dirty="0"/>
+              <a:t>According to 2019 Investopedia statistics, about 90% of newly created startups do not succeed. </a:t>
+            </a:r>
+          </a:p>
+          <a:p>
+            <a:r>
+              <a:rPr lang="en-US" dirty="0"/>
+              <a:t>Of the startups that do succeed a very small number of them become Unicorns</a:t>
+            </a:r>
+          </a:p>
+          <a:p>
+            <a:r>
+              <a:rPr lang="en-US" dirty="0"/>
+              <a:t>The elite club of Unicorns has its own elite</a:t>
+            </a:r>
+          </a:p>
+          <a:p>
+            <a:pPr lvl="1"/>
+            <a:r>
+              <a:rPr lang="en-US" dirty="0"/>
+              <a:t>Unicorns vary greatly in value from $1 to $100 billion</a:t>
+            </a:r>
+          </a:p>
+          <a:p>
             <a:endParaRPr lang="en-US" dirty="0"/>
           </a:p>
           <a:p>
@@ -4632,13 +5880,6 @@
   <p:clrMapOvr>
     <a:masterClrMapping/>
   </p:clrMapOvr>
-  <p:timing>
-    <p:tnLst>
-      <p:par>
-        <p:cTn id="1" dur="indefinite" restart="never" nodeType="tmRoot"/>
-      </p:par>
-    </p:tnLst>
-  </p:timing>
 </p:sld>
 </file>
 
@@ -4675,10 +5916,9 @@
           <a:lstStyle/>
           <a:p>
             <a:r>
-              <a:rPr lang="en-US" dirty="0" smtClean="0"/>
-              <a:t>Goal</a:t>
-            </a:r>
-            <a:endParaRPr lang="en-US" dirty="0"/>
+              <a:rPr lang="en-US" dirty="0"/>
+              <a:t>Goals</a:t>
+            </a:r>
           </a:p>
         </p:txBody>
       </p:sp>
@@ -4699,13 +5939,14 @@
           <a:p>
             <a:r>
               <a:rPr lang="en-US" dirty="0"/>
-              <a:t>To identify the features </a:t>
-            </a:r>
-            <a:r>
-              <a:rPr lang="en-US" dirty="0" smtClean="0"/>
-              <a:t>that makes a startup unicorn.</a:t>
-            </a:r>
-            <a:endParaRPr lang="en-US" dirty="0"/>
+              <a:t>Of those companies that are Unicorns, what features impact their valuation?</a:t>
+            </a:r>
+          </a:p>
+          <a:p>
+            <a:r>
+              <a:rPr lang="en-US" dirty="0"/>
+              <a:t> What can we learn about the investors who invest in Unicorns?</a:t>
+            </a:r>
           </a:p>
         </p:txBody>
       </p:sp>
@@ -4755,10 +5996,9 @@
           <a:lstStyle/>
           <a:p>
             <a:r>
-              <a:rPr lang="en-US" dirty="0" smtClean="0"/>
+              <a:rPr lang="en-US" dirty="0"/>
               <a:t>Dataset</a:t>
             </a:r>
-            <a:endParaRPr lang="en-US" dirty="0"/>
           </a:p>
         </p:txBody>
       </p:sp>
@@ -4779,45 +6019,28 @@
           <a:p>
             <a:r>
               <a:rPr lang="en-US" dirty="0"/>
-              <a:t>Data set</a:t>
-            </a:r>
-            <a:r>
-              <a:rPr lang="en-US" dirty="0" smtClean="0"/>
-              <a:t>: </a:t>
-            </a:r>
-            <a:r>
-              <a:rPr lang="en-US" dirty="0" smtClean="0">
-                <a:hlinkClick r:id="rId2"/>
-              </a:rPr>
-              <a:t>https</a:t>
+              <a:t>Data set: </a:t>
             </a:r>
             <a:r>
               <a:rPr lang="en-US" dirty="0">
                 <a:hlinkClick r:id="rId2"/>
               </a:rPr>
-              <a:t>://</a:t>
-            </a:r>
-            <a:r>
-              <a:rPr lang="en-US" dirty="0" smtClean="0">
-                <a:hlinkClick r:id="rId2"/>
-              </a:rPr>
-              <a:t>www.kaggle.com/datasets/deepcontractor/unicorn-companies-dataset</a:t>
-            </a:r>
-            <a:endParaRPr lang="en-US" dirty="0" smtClean="0"/>
-          </a:p>
-          <a:p>
+              <a:t>https://www.kaggle.com/datasets/deepcontractor/unicorn-companies-dataset</a:t>
+            </a:r>
             <a:endParaRPr lang="en-US" dirty="0"/>
           </a:p>
           <a:p>
-            <a:r>
-              <a:rPr lang="en-US" dirty="0"/>
-              <a:t>Observations: </a:t>
-            </a:r>
+            <a:endParaRPr lang="en-US" dirty="0"/>
+          </a:p>
+          <a:p>
             <a:r>
               <a:rPr lang="en-US" dirty="0" smtClean="0"/>
-              <a:t>1037</a:t>
-            </a:r>
-            <a:endParaRPr lang="en-US" dirty="0"/>
+              <a:t>1,037 </a:t>
+            </a:r>
+            <a:r>
+              <a:rPr lang="en-US" dirty="0"/>
+              <a:t>Unicorns</a:t>
+            </a:r>
           </a:p>
           <a:p>
             <a:pPr marL="0" indent="0">
@@ -4828,13 +6051,8 @@
           <a:p>
             <a:r>
               <a:rPr lang="en-US" dirty="0"/>
-              <a:t>Features: </a:t>
-            </a:r>
-            <a:r>
-              <a:rPr lang="en-US" dirty="0" smtClean="0"/>
-              <a:t>13</a:t>
-            </a:r>
-            <a:endParaRPr lang="en-US" dirty="0"/>
+              <a:t>13 Features</a:t>
+            </a:r>
           </a:p>
           <a:p>
             <a:endParaRPr lang="en-US" dirty="0"/>
@@ -4916,43 +6134,43 @@
           <a:lstStyle/>
           <a:p>
             <a:r>
-              <a:rPr lang="en-US" dirty="0" smtClean="0"/>
+              <a:rPr lang="en-US" dirty="0"/>
               <a:t>Company</a:t>
             </a:r>
           </a:p>
           <a:p>
             <a:r>
-              <a:rPr lang="en-US" dirty="0" smtClean="0"/>
-              <a:t>Valuation in Billions</a:t>
-            </a:r>
-          </a:p>
-          <a:p>
-            <a:r>
-              <a:rPr lang="en-US" dirty="0" smtClean="0"/>
-              <a:t>Date Joined</a:t>
-            </a:r>
-          </a:p>
-          <a:p>
-            <a:r>
-              <a:rPr lang="en-US" dirty="0" smtClean="0"/>
+              <a:rPr lang="en-US" dirty="0"/>
+              <a:t>Valuation in billions</a:t>
+            </a:r>
+          </a:p>
+          <a:p>
+            <a:r>
+              <a:rPr lang="en-US" dirty="0"/>
+              <a:t>Date joined</a:t>
+            </a:r>
+          </a:p>
+          <a:p>
+            <a:r>
+              <a:rPr lang="en-US" dirty="0"/>
               <a:t>Country</a:t>
             </a:r>
           </a:p>
           <a:p>
             <a:r>
-              <a:rPr lang="en-US" dirty="0" smtClean="0"/>
+              <a:rPr lang="en-US" dirty="0"/>
               <a:t>City</a:t>
             </a:r>
           </a:p>
           <a:p>
             <a:r>
-              <a:rPr lang="en-US" dirty="0" smtClean="0"/>
+              <a:rPr lang="en-US" dirty="0"/>
               <a:t>Industry</a:t>
             </a:r>
           </a:p>
           <a:p>
             <a:r>
-              <a:rPr lang="en-US" dirty="0" smtClean="0"/>
+              <a:rPr lang="en-US" dirty="0"/>
               <a:t>Investors</a:t>
             </a:r>
           </a:p>
@@ -5151,40 +6369,39 @@
           </a:lstStyle>
           <a:p>
             <a:r>
-              <a:rPr lang="en-US" dirty="0" smtClean="0"/>
-              <a:t>Founded Year</a:t>
-            </a:r>
-          </a:p>
-          <a:p>
-            <a:r>
-              <a:rPr lang="en-US" dirty="0" smtClean="0"/>
-              <a:t>Total Raised</a:t>
-            </a:r>
-          </a:p>
-          <a:p>
-            <a:r>
-              <a:rPr lang="en-US" dirty="0" smtClean="0"/>
-              <a:t>Financial Stage</a:t>
-            </a:r>
-          </a:p>
-          <a:p>
-            <a:r>
-              <a:rPr lang="en-US" dirty="0" smtClean="0"/>
-              <a:t>Investors Count</a:t>
-            </a:r>
-          </a:p>
-          <a:p>
-            <a:r>
-              <a:rPr lang="en-US" dirty="0" smtClean="0"/>
-              <a:t>Deal Terms</a:t>
-            </a:r>
-          </a:p>
-          <a:p>
-            <a:r>
-              <a:rPr lang="en-US" dirty="0" smtClean="0"/>
-              <a:t>Portfolio Exits</a:t>
-            </a:r>
-            <a:endParaRPr lang="en-US" dirty="0" smtClean="0"/>
+              <a:rPr lang="en-US" dirty="0"/>
+              <a:t>Year founded </a:t>
+            </a:r>
+          </a:p>
+          <a:p>
+            <a:r>
+              <a:rPr lang="en-US" dirty="0"/>
+              <a:t>Total raised</a:t>
+            </a:r>
+          </a:p>
+          <a:p>
+            <a:r>
+              <a:rPr lang="en-US" dirty="0"/>
+              <a:t>Financial stage</a:t>
+            </a:r>
+          </a:p>
+          <a:p>
+            <a:r>
+              <a:rPr lang="en-US" dirty="0"/>
+              <a:t>Investors count</a:t>
+            </a:r>
+          </a:p>
+          <a:p>
+            <a:r>
+              <a:rPr lang="en-US" dirty="0"/>
+              <a:t>Deal terms</a:t>
+            </a:r>
+          </a:p>
+          <a:p>
+            <a:r>
+              <a:rPr lang="en-US" dirty="0"/>
+              <a:t>Portfolio exits</a:t>
+            </a:r>
           </a:p>
         </p:txBody>
       </p:sp>
@@ -5230,20 +6447,21 @@
         </p:nvSpPr>
         <p:spPr/>
         <p:txBody>
-          <a:bodyPr/>
-          <a:lstStyle/>
-          <a:p>
-            <a:r>
-              <a:rPr lang="en-US" dirty="0" smtClean="0"/>
-              <a:t>Number of unicorns per year</a:t>
-            </a:r>
-            <a:endParaRPr lang="en-US" dirty="0"/>
+          <a:bodyPr>
+            <a:normAutofit fontScale="90000"/>
+          </a:bodyPr>
+          <a:lstStyle/>
+          <a:p>
+            <a:r>
+              <a:rPr lang="en-US" dirty="0"/>
+              <a:t>Number of new unicorns per year</a:t>
+            </a:r>
           </a:p>
         </p:txBody>
       </p:sp>
       <p:pic>
         <p:nvPicPr>
-          <p:cNvPr id="4" name="Content Placeholder 3"/>
+          <p:cNvPr id="5" name="Content Placeholder 4"/>
           <p:cNvPicPr>
             <a:picLocks noGrp="1" noChangeAspect="1"/>
           </p:cNvPicPr>
@@ -5265,8 +6483,8 @@
         </p:blipFill>
         <p:spPr>
           <a:xfrm>
-            <a:off x="457200" y="2120328"/>
-            <a:ext cx="8229600" cy="4019106"/>
+            <a:off x="457200" y="2344624"/>
+            <a:ext cx="8229600" cy="3570514"/>
           </a:xfrm>
         </p:spPr>
       </p:pic>
@@ -5280,13 +6498,6 @@
   <p:clrMapOvr>
     <a:masterClrMapping/>
   </p:clrMapOvr>
-  <p:timing>
-    <p:tnLst>
-      <p:par>
-        <p:cTn id="1" dur="indefinite" restart="never" nodeType="tmRoot"/>
-      </p:par>
-    </p:tnLst>
-  </p:timing>
 </p:sld>
 </file>
 
@@ -5323,10 +6534,9 @@
           <a:lstStyle/>
           <a:p>
             <a:r>
-              <a:rPr lang="en-US" dirty="0" smtClean="0"/>
-              <a:t>Unicorns per country</a:t>
-            </a:r>
-            <a:endParaRPr lang="en-US" dirty="0"/>
+              <a:rPr lang="en-US" dirty="0"/>
+              <a:t>Unicorns per country (top ten)</a:t>
+            </a:r>
           </a:p>
         </p:txBody>
       </p:sp>
@@ -5359,6 +6569,96 @@
           </a:xfrm>
         </p:spPr>
       </p:pic>
+      <p:sp>
+        <p:nvSpPr>
+          <p:cNvPr id="3" name="Rectangle 2"/>
+          <p:cNvSpPr/>
+          <p:nvPr/>
+        </p:nvSpPr>
+        <p:spPr>
+          <a:xfrm>
+            <a:off x="5715000" y="6080312"/>
+            <a:ext cx="2895600" cy="381000"/>
+          </a:xfrm>
+          <a:prstGeom prst="rect">
+            <a:avLst/>
+          </a:prstGeom>
+          <a:noFill/>
+          <a:ln>
+            <a:noFill/>
+          </a:ln>
+        </p:spPr>
+        <p:style>
+          <a:lnRef idx="2">
+            <a:schemeClr val="accent1">
+              <a:shade val="50000"/>
+            </a:schemeClr>
+          </a:lnRef>
+          <a:fillRef idx="1">
+            <a:schemeClr val="accent1"/>
+          </a:fillRef>
+          <a:effectRef idx="0">
+            <a:schemeClr val="accent1"/>
+          </a:effectRef>
+          <a:fontRef idx="minor">
+            <a:schemeClr val="lt1"/>
+          </a:fontRef>
+        </p:style>
+        <p:txBody>
+          <a:bodyPr rtlCol="0" anchor="ctr"/>
+          <a:lstStyle/>
+          <a:p>
+            <a:pPr algn="ctr"/>
+            <a:r>
+              <a:rPr lang="en-US" smtClean="0">
+                <a:solidFill>
+                  <a:schemeClr val="tx1">
+                    <a:lumMod val="85000"/>
+                    <a:lumOff val="15000"/>
+                  </a:schemeClr>
+                </a:solidFill>
+              </a:rPr>
+              <a:t>36 </a:t>
+            </a:r>
+            <a:r>
+              <a:rPr lang="en-US" dirty="0" smtClean="0">
+                <a:solidFill>
+                  <a:schemeClr val="tx1">
+                    <a:lumMod val="85000"/>
+                    <a:lumOff val="15000"/>
+                  </a:schemeClr>
+                </a:solidFill>
+              </a:rPr>
+              <a:t>other countries</a:t>
+            </a:r>
+          </a:p>
+          <a:p>
+            <a:pPr algn="ctr"/>
+            <a:r>
+              <a:rPr lang="en-US" dirty="0" smtClean="0">
+                <a:solidFill>
+                  <a:schemeClr val="tx1">
+                    <a:lumMod val="85000"/>
+                    <a:lumOff val="15000"/>
+                  </a:schemeClr>
+                </a:solidFill>
+              </a:rPr>
+              <a:t>Number of Unicorns: </a:t>
+            </a:r>
+            <a:r>
+              <a:rPr lang="en-US" dirty="0">
+                <a:solidFill>
+                  <a:schemeClr val="tx1">
+                    <a:lumMod val="85000"/>
+                    <a:lumOff val="15000"/>
+                  </a:schemeClr>
+                </a:solidFill>
+              </a:rPr>
+              <a:t>113</a:t>
+            </a:r>
+          </a:p>
+        </p:txBody>
+      </p:sp>
     </p:spTree>
     <p:extLst>
       <p:ext uri="{BB962C8B-B14F-4D97-AF65-F5344CB8AC3E}">
@@ -5412,16 +6712,15 @@
           <a:lstStyle/>
           <a:p>
             <a:r>
-              <a:rPr lang="en-US" dirty="0" smtClean="0"/>
+              <a:rPr lang="en-US" dirty="0"/>
               <a:t>Industry</a:t>
             </a:r>
-            <a:endParaRPr lang="en-US" dirty="0"/>
           </a:p>
         </p:txBody>
       </p:sp>
       <p:pic>
         <p:nvPicPr>
-          <p:cNvPr id="4" name="Content Placeholder 3"/>
+          <p:cNvPr id="5" name="Content Placeholder 4"/>
           <p:cNvPicPr>
             <a:picLocks noGrp="1" noChangeAspect="1"/>
           </p:cNvPicPr>
@@ -5443,8 +6742,8 @@
         </p:blipFill>
         <p:spPr>
           <a:xfrm>
-            <a:off x="457200" y="2125737"/>
-            <a:ext cx="8229600" cy="4008289"/>
+            <a:off x="33867" y="2102800"/>
+            <a:ext cx="9033933" cy="4450400"/>
           </a:xfrm>
         </p:spPr>
       </p:pic>
